--- a/SQLDay2021/misc/sqlday2021_tk_datalakehouse.pptx
+++ b/SQLDay2021/misc/sqlday2021_tk_datalakehouse.pptx
@@ -1886,7 +1886,7 @@
           <a:p>
             <a:fld id="{41BA16C2-1CA2-4095-8729-8FA338733D6E}" type="datetimeFigureOut">
               <a:rPr lang="en-US" smtClean="0"/>
-              <a:t>5/9/2021</a:t>
+              <a:t>5/11/2021</a:t>
             </a:fld>
             <a:endParaRPr lang="en-US"/>
           </a:p>
@@ -2300,7 +2300,7 @@
           <a:p>
             <a:fld id="{50BD2379-39E1-4981-BB93-7A82CE98D661}" type="datetime1">
               <a:rPr lang="en-US" smtClean="0"/>
-              <a:t>5/9/2021</a:t>
+              <a:t>5/11/2021</a:t>
             </a:fld>
             <a:endParaRPr lang="en-US"/>
           </a:p>
@@ -2501,7 +2501,7 @@
           <a:p>
             <a:fld id="{89E155A6-EA81-4D3B-919C-AD3D73AA914E}" type="datetime1">
               <a:rPr lang="en-US" smtClean="0"/>
-              <a:t>5/9/2021</a:t>
+              <a:t>5/11/2021</a:t>
             </a:fld>
             <a:endParaRPr lang="en-US"/>
           </a:p>
@@ -2712,7 +2712,7 @@
           <a:p>
             <a:fld id="{6683B534-B10A-4FFF-B7A6-2BE6BF7A7346}" type="datetime1">
               <a:rPr lang="en-US" smtClean="0"/>
-              <a:t>5/9/2021</a:t>
+              <a:t>5/11/2021</a:t>
             </a:fld>
             <a:endParaRPr lang="en-US"/>
           </a:p>
@@ -3176,7 +3176,7 @@
           <a:p>
             <a:fld id="{A1411404-B01E-47A9-BF33-96FC106B7A7E}" type="datetime1">
               <a:rPr lang="en-US" smtClean="0"/>
-              <a:t>5/9/2021</a:t>
+              <a:t>5/11/2021</a:t>
             </a:fld>
             <a:endParaRPr lang="en-US"/>
           </a:p>
@@ -3844,7 +3844,7 @@
           <a:p>
             <a:fld id="{BF409370-8682-45AF-BA23-C704BA290E1D}" type="datetime1">
               <a:rPr lang="en-US" smtClean="0"/>
-              <a:t>5/9/2021</a:t>
+              <a:t>5/11/2021</a:t>
             </a:fld>
             <a:endParaRPr lang="en-US"/>
           </a:p>
@@ -3988,7 +3988,7 @@
           <a:p>
             <a:fld id="{CF1EEFA3-436A-4BB4-9D67-E434B145A9AD}" type="datetime1">
               <a:rPr lang="en-US" smtClean="0"/>
-              <a:t>5/9/2021</a:t>
+              <a:t>5/11/2021</a:t>
             </a:fld>
             <a:endParaRPr lang="en-US"/>
           </a:p>
@@ -4104,7 +4104,7 @@
           <a:p>
             <a:fld id="{382B760A-8723-4265-9CFE-067BA0B5628F}" type="datetime1">
               <a:rPr lang="en-US" smtClean="0"/>
-              <a:t>5/9/2021</a:t>
+              <a:t>5/11/2021</a:t>
             </a:fld>
             <a:endParaRPr lang="en-US"/>
           </a:p>
@@ -4418,7 +4418,7 @@
           <a:p>
             <a:fld id="{449E3EAB-DD4C-4B91-81B1-660AF17C458E}" type="datetime1">
               <a:rPr lang="en-US" smtClean="0"/>
-              <a:t>5/9/2021</a:t>
+              <a:t>5/11/2021</a:t>
             </a:fld>
             <a:endParaRPr lang="en-US"/>
           </a:p>
@@ -4709,7 +4709,7 @@
           <a:p>
             <a:fld id="{A0FB7E36-A439-402F-9FC0-894F20BC5C27}" type="datetime1">
               <a:rPr lang="en-US" smtClean="0"/>
-              <a:t>5/9/2021</a:t>
+              <a:t>5/11/2021</a:t>
             </a:fld>
             <a:endParaRPr lang="en-US"/>
           </a:p>
@@ -4953,7 +4953,7 @@
           <a:p>
             <a:fld id="{5427E2AC-683C-4D92-A3F2-E71CD1A59666}" type="datetime1">
               <a:rPr lang="en-US" smtClean="0"/>
-              <a:t>5/9/2021</a:t>
+              <a:t>5/11/2021</a:t>
             </a:fld>
             <a:endParaRPr lang="en-US"/>
           </a:p>
@@ -5650,29 +5650,7 @@
                   </a:schemeClr>
                 </a:solidFill>
               </a:rPr>
-              <a:t>Spark </a:t>
-            </a:r>
-            <a:r>
-              <a:rPr lang="en-GB" sz="2400" dirty="0" err="1">
-                <a:solidFill>
-                  <a:schemeClr val="tx1">
-                    <a:lumMod val="65000"/>
-                    <a:lumOff val="35000"/>
-                  </a:schemeClr>
-                </a:solidFill>
-              </a:rPr>
-              <a:t>Databrikcs</a:t>
-            </a:r>
-            <a:r>
-              <a:rPr lang="en-GB" sz="2400" dirty="0">
-                <a:solidFill>
-                  <a:schemeClr val="tx1">
-                    <a:lumMod val="65000"/>
-                    <a:lumOff val="35000"/>
-                  </a:schemeClr>
-                </a:solidFill>
-              </a:rPr>
-              <a:t> (Demo001)</a:t>
+              <a:t>Spark Databricks (Demo001)</a:t>
             </a:r>
           </a:p>
           <a:p>
@@ -6652,7 +6630,7 @@
         <p:spPr>
           <a:xfrm>
             <a:off x="2627294" y="3948132"/>
-            <a:ext cx="5315366" cy="1200329"/>
+            <a:ext cx="6293711" cy="1200329"/>
           </a:xfrm>
           <a:prstGeom prst="rect">
             <a:avLst/>
@@ -6711,7 +6689,7 @@
                   </a:schemeClr>
                 </a:solidFill>
               </a:rPr>
-              <a:t>Spark Databricks (Parallel runs)</a:t>
+              <a:t>Spark Databricks (Parallel runs –Demo002)</a:t>
             </a:r>
             <a:endParaRPr lang="pl-PL" sz="2400" dirty="0">
               <a:solidFill>
@@ -7132,7 +7110,7 @@
         <p:spPr>
           <a:xfrm>
             <a:off x="1428108" y="2712128"/>
-            <a:ext cx="10442282" cy="1754326"/>
+            <a:ext cx="9273693" cy="2092881"/>
           </a:xfrm>
           <a:prstGeom prst="rect">
             <a:avLst/>
@@ -7163,7 +7141,7 @@
               <a:defRPr/>
             </a:pPr>
             <a:r>
-              <a:rPr kumimoji="0" lang="en-US" sz="1800" b="0" i="0" u="none" strike="noStrike" kern="0" cap="none" spc="0" normalizeH="0" baseline="0" noProof="0" dirty="0">
+              <a:rPr kumimoji="0" lang="en-US" sz="1600" b="0" i="0" u="none" strike="noStrike" kern="0" cap="none" spc="0" normalizeH="0" baseline="0" noProof="0" dirty="0">
                 <a:ln>
                   <a:noFill/>
                 </a:ln>
@@ -7178,7 +7156,7 @@
               <a:t>SET</a:t>
             </a:r>
             <a:r>
-              <a:rPr kumimoji="0" lang="en-US" sz="1800" b="0" i="0" u="none" strike="noStrike" kern="0" cap="none" spc="0" normalizeH="0" baseline="0" noProof="0" dirty="0">
+              <a:rPr kumimoji="0" lang="en-US" sz="1600" b="0" i="0" u="none" strike="noStrike" kern="0" cap="none" spc="0" normalizeH="0" baseline="0" noProof="0" dirty="0">
                 <a:ln>
                   <a:noFill/>
                 </a:ln>
@@ -7193,7 +7171,7 @@
               <a:t> </a:t>
             </a:r>
             <a:r>
-              <a:rPr kumimoji="0" lang="en-US" sz="1800" b="1" i="0" u="none" strike="noStrike" kern="0" cap="none" spc="0" normalizeH="0" baseline="0" noProof="0" dirty="0">
+              <a:rPr kumimoji="0" lang="en-US" sz="1600" b="1" i="0" u="none" strike="noStrike" kern="0" cap="none" spc="0" normalizeH="0" baseline="0" noProof="0" dirty="0">
                 <a:ln>
                   <a:noFill/>
                 </a:ln>
@@ -7208,7 +7186,7 @@
               <a:t>spark</a:t>
             </a:r>
             <a:r>
-              <a:rPr kumimoji="0" lang="en-US" sz="1800" b="1" i="0" u="none" strike="noStrike" kern="0" cap="none" spc="0" normalizeH="0" baseline="0" noProof="0" dirty="0">
+              <a:rPr kumimoji="0" lang="en-US" sz="1600" b="1" i="0" u="none" strike="noStrike" kern="0" cap="none" spc="0" normalizeH="0" baseline="0" noProof="0" dirty="0">
                 <a:ln>
                   <a:noFill/>
                 </a:ln>
@@ -7223,7 +7201,7 @@
               <a:t>.</a:t>
             </a:r>
             <a:r>
-              <a:rPr kumimoji="0" lang="en-US" sz="1800" b="1" i="0" u="none" strike="noStrike" kern="0" cap="none" spc="0" normalizeH="0" baseline="0" noProof="0" dirty="0">
+              <a:rPr kumimoji="0" lang="en-US" sz="1600" b="1" i="0" u="none" strike="noStrike" kern="0" cap="none" spc="0" normalizeH="0" baseline="0" noProof="0" dirty="0">
                 <a:ln>
                   <a:noFill/>
                 </a:ln>
@@ -7238,7 +7216,7 @@
               <a:t>databricks</a:t>
             </a:r>
             <a:r>
-              <a:rPr kumimoji="0" lang="en-US" sz="1800" b="1" i="0" u="none" strike="noStrike" kern="0" cap="none" spc="0" normalizeH="0" baseline="0" noProof="0" dirty="0">
+              <a:rPr kumimoji="0" lang="en-US" sz="1600" b="1" i="0" u="none" strike="noStrike" kern="0" cap="none" spc="0" normalizeH="0" baseline="0" noProof="0" dirty="0">
                 <a:ln>
                   <a:noFill/>
                 </a:ln>
@@ -7253,7 +7231,7 @@
               <a:t>.</a:t>
             </a:r>
             <a:r>
-              <a:rPr kumimoji="0" lang="en-US" sz="1800" b="1" i="0" u="none" strike="noStrike" kern="0" cap="none" spc="0" normalizeH="0" baseline="0" noProof="0" dirty="0">
+              <a:rPr kumimoji="0" lang="en-US" sz="1600" b="1" i="0" u="none" strike="noStrike" kern="0" cap="none" spc="0" normalizeH="0" baseline="0" noProof="0" dirty="0">
                 <a:ln>
                   <a:noFill/>
                 </a:ln>
@@ -7268,7 +7246,7 @@
               <a:t>delta</a:t>
             </a:r>
             <a:r>
-              <a:rPr kumimoji="0" lang="en-US" sz="1800" b="1" i="0" u="none" strike="noStrike" kern="0" cap="none" spc="0" normalizeH="0" baseline="0" noProof="0" dirty="0">
+              <a:rPr kumimoji="0" lang="en-US" sz="1600" b="1" i="0" u="none" strike="noStrike" kern="0" cap="none" spc="0" normalizeH="0" baseline="0" noProof="0" dirty="0">
                 <a:ln>
                   <a:noFill/>
                 </a:ln>
@@ -7283,7 +7261,7 @@
               <a:t>.</a:t>
             </a:r>
             <a:r>
-              <a:rPr kumimoji="0" lang="en-US" sz="1800" b="1" i="0" u="none" strike="noStrike" kern="0" cap="none" spc="0" normalizeH="0" baseline="0" noProof="0" dirty="0">
+              <a:rPr kumimoji="0" lang="en-US" sz="1600" b="1" i="0" u="none" strike="noStrike" kern="0" cap="none" spc="0" normalizeH="0" baseline="0" noProof="0" dirty="0">
                 <a:ln>
                   <a:noFill/>
                 </a:ln>
@@ -7298,7 +7276,7 @@
               <a:t>symlinkFormatManifest</a:t>
             </a:r>
             <a:r>
-              <a:rPr kumimoji="0" lang="en-US" sz="1800" b="1" i="0" u="none" strike="noStrike" kern="0" cap="none" spc="0" normalizeH="0" baseline="0" noProof="0" dirty="0">
+              <a:rPr kumimoji="0" lang="en-US" sz="1600" b="1" i="0" u="none" strike="noStrike" kern="0" cap="none" spc="0" normalizeH="0" baseline="0" noProof="0" dirty="0">
                 <a:ln>
                   <a:noFill/>
                 </a:ln>
@@ -7313,7 +7291,7 @@
               <a:t>.</a:t>
             </a:r>
             <a:r>
-              <a:rPr kumimoji="0" lang="en-US" sz="1800" b="1" i="0" u="none" strike="noStrike" kern="0" cap="none" spc="0" normalizeH="0" baseline="0" noProof="0" dirty="0">
+              <a:rPr kumimoji="0" lang="en-US" sz="1600" b="1" i="0" u="none" strike="noStrike" kern="0" cap="none" spc="0" normalizeH="0" baseline="0" noProof="0" dirty="0">
                 <a:ln>
                   <a:noFill/>
                 </a:ln>
@@ -7328,7 +7306,7 @@
               <a:t>fileSystemCheck</a:t>
             </a:r>
             <a:r>
-              <a:rPr kumimoji="0" lang="en-US" sz="1800" b="1" i="0" u="none" strike="noStrike" kern="0" cap="none" spc="0" normalizeH="0" baseline="0" noProof="0" dirty="0">
+              <a:rPr kumimoji="0" lang="en-US" sz="1600" b="1" i="0" u="none" strike="noStrike" kern="0" cap="none" spc="0" normalizeH="0" baseline="0" noProof="0" dirty="0">
                 <a:ln>
                   <a:noFill/>
                 </a:ln>
@@ -7343,7 +7321,7 @@
               <a:t>.</a:t>
             </a:r>
             <a:r>
-              <a:rPr kumimoji="0" lang="en-US" sz="1800" b="1" i="0" u="none" strike="noStrike" kern="0" cap="none" spc="0" normalizeH="0" baseline="0" noProof="0" dirty="0">
+              <a:rPr kumimoji="0" lang="en-US" sz="1600" b="1" i="0" u="none" strike="noStrike" kern="0" cap="none" spc="0" normalizeH="0" baseline="0" noProof="0" dirty="0">
                 <a:ln>
                   <a:noFill/>
                 </a:ln>
@@ -7358,7 +7336,7 @@
               <a:t>enabled</a:t>
             </a:r>
             <a:r>
-              <a:rPr kumimoji="0" lang="en-US" sz="1800" b="1" i="0" u="none" strike="noStrike" kern="0" cap="none" spc="0" normalizeH="0" baseline="0" noProof="0" dirty="0">
+              <a:rPr kumimoji="0" lang="en-US" sz="1600" b="1" i="0" u="none" strike="noStrike" kern="0" cap="none" spc="0" normalizeH="0" baseline="0" noProof="0" dirty="0">
                 <a:ln>
                   <a:noFill/>
                 </a:ln>
@@ -7373,7 +7351,7 @@
               <a:t> </a:t>
             </a:r>
             <a:r>
-              <a:rPr kumimoji="0" lang="en-US" sz="1800" b="0" i="0" u="none" strike="noStrike" kern="0" cap="none" spc="0" normalizeH="0" baseline="0" noProof="0" dirty="0">
+              <a:rPr kumimoji="0" lang="en-US" sz="1600" b="0" i="0" u="none" strike="noStrike" kern="0" cap="none" spc="0" normalizeH="0" baseline="0" noProof="0" dirty="0">
                 <a:ln>
                   <a:noFill/>
                 </a:ln>
@@ -7388,7 +7366,7 @@
               <a:t>=</a:t>
             </a:r>
             <a:r>
-              <a:rPr kumimoji="0" lang="en-US" sz="1800" b="0" i="0" u="none" strike="noStrike" kern="0" cap="none" spc="0" normalizeH="0" baseline="0" noProof="0" dirty="0">
+              <a:rPr kumimoji="0" lang="en-US" sz="1600" b="0" i="0" u="none" strike="noStrike" kern="0" cap="none" spc="0" normalizeH="0" baseline="0" noProof="0" dirty="0">
                 <a:ln>
                   <a:noFill/>
                 </a:ln>
@@ -7403,7 +7381,7 @@
               <a:t> false</a:t>
             </a:r>
             <a:r>
-              <a:rPr kumimoji="0" lang="en-US" sz="1800" b="0" i="0" u="none" strike="noStrike" kern="0" cap="none" spc="0" normalizeH="0" baseline="0" noProof="0" dirty="0">
+              <a:rPr kumimoji="0" lang="en-US" sz="1600" b="0" i="0" u="none" strike="noStrike" kern="0" cap="none" spc="0" normalizeH="0" baseline="0" noProof="0" dirty="0">
                 <a:ln>
                   <a:noFill/>
                 </a:ln>
@@ -7417,18 +7395,6 @@
               </a:rPr>
               <a:t>;</a:t>
             </a:r>
-            <a:endParaRPr kumimoji="0" lang="en-US" sz="1800" b="0" i="0" u="none" strike="noStrike" kern="0" cap="none" spc="0" normalizeH="0" baseline="0" noProof="0" dirty="0">
-              <a:ln>
-                <a:noFill/>
-              </a:ln>
-              <a:solidFill>
-                <a:srgbClr val="000000"/>
-              </a:solidFill>
-              <a:effectLst/>
-              <a:uLnTx/>
-              <a:uFillTx/>
-              <a:latin typeface="Consolas" panose="020B0609020204030204" pitchFamily="49" charset="0"/>
-            </a:endParaRPr>
           </a:p>
           <a:p>
             <a:pPr marL="0" marR="0" lvl="0" indent="0" defTabSz="914400" eaLnBrk="1" fontAlgn="auto" latinLnBrk="0" hangingPunct="1">
@@ -7448,276 +7414,18 @@
               <a:tabLst/>
               <a:defRPr/>
             </a:pPr>
-            <a:r>
-              <a:rPr kumimoji="0" lang="en-US" sz="1800" b="0" i="0" u="none" strike="noStrike" kern="0" cap="none" spc="0" normalizeH="0" baseline="0" noProof="0" dirty="0">
-                <a:ln>
-                  <a:noFill/>
-                </a:ln>
-                <a:solidFill>
-                  <a:srgbClr val="0000FF"/>
-                </a:solidFill>
-                <a:effectLst/>
-                <a:uLnTx/>
-                <a:uFillTx/>
-                <a:latin typeface="Consolas" panose="020B0609020204030204" pitchFamily="49" charset="0"/>
-              </a:rPr>
-              <a:t>CREATE</a:t>
-            </a:r>
-            <a:r>
-              <a:rPr kumimoji="0" lang="en-US" sz="1800" b="0" i="0" u="none" strike="noStrike" kern="0" cap="none" spc="0" normalizeH="0" baseline="0" noProof="0" dirty="0">
-                <a:ln>
-                  <a:noFill/>
-                </a:ln>
-                <a:solidFill>
-                  <a:srgbClr val="000000"/>
-                </a:solidFill>
-                <a:effectLst/>
-                <a:uLnTx/>
-                <a:uFillTx/>
-                <a:latin typeface="Consolas" panose="020B0609020204030204" pitchFamily="49" charset="0"/>
-              </a:rPr>
-              <a:t> </a:t>
-            </a:r>
-            <a:r>
-              <a:rPr kumimoji="0" lang="en-US" sz="1800" b="0" i="0" u="none" strike="noStrike" kern="0" cap="none" spc="0" normalizeH="0" baseline="0" noProof="0" dirty="0">
-                <a:ln>
-                  <a:noFill/>
-                </a:ln>
-                <a:solidFill>
-                  <a:srgbClr val="0000FF"/>
-                </a:solidFill>
-                <a:effectLst/>
-                <a:uLnTx/>
-                <a:uFillTx/>
-                <a:latin typeface="Consolas" panose="020B0609020204030204" pitchFamily="49" charset="0"/>
-              </a:rPr>
-              <a:t>TABLE</a:t>
-            </a:r>
-            <a:r>
-              <a:rPr kumimoji="0" lang="en-US" sz="1800" b="0" i="0" u="none" strike="noStrike" kern="0" cap="none" spc="0" normalizeH="0" baseline="0" noProof="0" dirty="0">
-                <a:ln>
-                  <a:noFill/>
-                </a:ln>
-                <a:solidFill>
-                  <a:srgbClr val="000000"/>
-                </a:solidFill>
-                <a:effectLst/>
-                <a:uLnTx/>
-                <a:uFillTx/>
-                <a:latin typeface="Consolas" panose="020B0609020204030204" pitchFamily="49" charset="0"/>
-              </a:rPr>
-              <a:t> </a:t>
-            </a:r>
-            <a:r>
-              <a:rPr kumimoji="0" lang="en-US" sz="1800" b="0" i="0" u="none" strike="noStrike" kern="0" cap="none" spc="0" normalizeH="0" baseline="0" noProof="0" dirty="0">
-                <a:ln>
-                  <a:noFill/>
-                </a:ln>
-                <a:solidFill>
-                  <a:srgbClr val="0000FF"/>
-                </a:solidFill>
-                <a:effectLst/>
-                <a:uLnTx/>
-                <a:uFillTx/>
-                <a:latin typeface="Consolas" panose="020B0609020204030204" pitchFamily="49" charset="0"/>
-              </a:rPr>
-              <a:t>IF</a:t>
-            </a:r>
-            <a:r>
-              <a:rPr kumimoji="0" lang="en-US" sz="1800" b="0" i="0" u="none" strike="noStrike" kern="0" cap="none" spc="0" normalizeH="0" baseline="0" noProof="0" dirty="0">
-                <a:ln>
-                  <a:noFill/>
-                </a:ln>
-                <a:solidFill>
-                  <a:srgbClr val="000000"/>
-                </a:solidFill>
-                <a:effectLst/>
-                <a:uLnTx/>
-                <a:uFillTx/>
-                <a:latin typeface="Consolas" panose="020B0609020204030204" pitchFamily="49" charset="0"/>
-              </a:rPr>
-              <a:t> </a:t>
-            </a:r>
-            <a:r>
-              <a:rPr kumimoji="0" lang="en-US" sz="1800" b="0" i="0" u="none" strike="noStrike" kern="0" cap="none" spc="0" normalizeH="0" baseline="0" noProof="0" dirty="0">
-                <a:ln>
-                  <a:noFill/>
-                </a:ln>
-                <a:solidFill>
-                  <a:srgbClr val="808080"/>
-                </a:solidFill>
-                <a:effectLst/>
-                <a:uLnTx/>
-                <a:uFillTx/>
-                <a:latin typeface="Consolas" panose="020B0609020204030204" pitchFamily="49" charset="0"/>
-              </a:rPr>
-              <a:t>NOT</a:t>
-            </a:r>
-            <a:r>
-              <a:rPr kumimoji="0" lang="en-US" sz="1800" b="0" i="0" u="none" strike="noStrike" kern="0" cap="none" spc="0" normalizeH="0" baseline="0" noProof="0" dirty="0">
-                <a:ln>
-                  <a:noFill/>
-                </a:ln>
-                <a:solidFill>
-                  <a:srgbClr val="000000"/>
-                </a:solidFill>
-                <a:effectLst/>
-                <a:uLnTx/>
-                <a:uFillTx/>
-                <a:latin typeface="Consolas" panose="020B0609020204030204" pitchFamily="49" charset="0"/>
-              </a:rPr>
-              <a:t> </a:t>
-            </a:r>
-            <a:r>
-              <a:rPr kumimoji="0" lang="en-US" sz="1800" b="0" i="0" u="none" strike="noStrike" kern="0" cap="none" spc="0" normalizeH="0" baseline="0" noProof="0" dirty="0">
-                <a:ln>
-                  <a:noFill/>
-                </a:ln>
-                <a:solidFill>
-                  <a:srgbClr val="808080"/>
-                </a:solidFill>
-                <a:effectLst/>
-                <a:uLnTx/>
-                <a:uFillTx/>
-                <a:latin typeface="Consolas" panose="020B0609020204030204" pitchFamily="49" charset="0"/>
-              </a:rPr>
-              <a:t>EXISTS</a:t>
-            </a:r>
-            <a:r>
-              <a:rPr kumimoji="0" lang="en-US" sz="1800" b="0" i="0" u="none" strike="noStrike" kern="0" cap="none" spc="0" normalizeH="0" baseline="0" noProof="0" dirty="0">
-                <a:ln>
-                  <a:noFill/>
-                </a:ln>
-                <a:solidFill>
-                  <a:srgbClr val="000000"/>
-                </a:solidFill>
-                <a:effectLst/>
-                <a:uLnTx/>
-                <a:uFillTx/>
-                <a:latin typeface="Consolas" panose="020B0609020204030204" pitchFamily="49" charset="0"/>
-              </a:rPr>
-              <a:t> Test</a:t>
-            </a:r>
-            <a:r>
-              <a:rPr kumimoji="0" lang="en-US" sz="1800" b="0" i="0" u="none" strike="noStrike" kern="0" cap="none" spc="0" normalizeH="0" baseline="0" noProof="0" dirty="0">
-                <a:ln>
-                  <a:noFill/>
-                </a:ln>
-                <a:solidFill>
-                  <a:srgbClr val="0000FF"/>
-                </a:solidFill>
-                <a:effectLst/>
-                <a:uLnTx/>
-                <a:uFillTx/>
-                <a:latin typeface="Consolas" panose="020B0609020204030204" pitchFamily="49" charset="0"/>
-              </a:rPr>
-              <a:t> </a:t>
-            </a:r>
-            <a:r>
-              <a:rPr kumimoji="0" lang="en-US" sz="1800" b="0" i="0" u="none" strike="noStrike" kern="0" cap="none" spc="0" normalizeH="0" baseline="0" noProof="0" dirty="0">
-                <a:ln>
-                  <a:noFill/>
-                </a:ln>
-                <a:solidFill>
-                  <a:srgbClr val="808080"/>
-                </a:solidFill>
-                <a:effectLst/>
-                <a:uLnTx/>
-                <a:uFillTx/>
-                <a:latin typeface="Consolas" panose="020B0609020204030204" pitchFamily="49" charset="0"/>
-              </a:rPr>
-              <a:t>(</a:t>
-            </a:r>
-            <a:r>
-              <a:rPr kumimoji="0" lang="en-US" sz="1800" b="0" i="0" u="none" strike="noStrike" kern="0" cap="none" spc="0" normalizeH="0" baseline="0" noProof="0" dirty="0">
-                <a:ln>
-                  <a:noFill/>
-                </a:ln>
-                <a:solidFill>
-                  <a:srgbClr val="000000"/>
-                </a:solidFill>
-                <a:effectLst/>
-                <a:uLnTx/>
-                <a:uFillTx/>
-                <a:latin typeface="Consolas" panose="020B0609020204030204" pitchFamily="49" charset="0"/>
-              </a:rPr>
-              <a:t>Val </a:t>
-            </a:r>
-            <a:r>
-              <a:rPr kumimoji="0" lang="en-US" sz="1800" b="0" i="0" u="none" strike="noStrike" kern="0" cap="none" spc="0" normalizeH="0" baseline="0" noProof="0" dirty="0">
-                <a:ln>
-                  <a:noFill/>
-                </a:ln>
-                <a:solidFill>
-                  <a:srgbClr val="0000FF"/>
-                </a:solidFill>
-                <a:effectLst/>
-                <a:uLnTx/>
-                <a:uFillTx/>
-                <a:latin typeface="Consolas" panose="020B0609020204030204" pitchFamily="49" charset="0"/>
-              </a:rPr>
-              <a:t>INT</a:t>
-            </a:r>
-            <a:r>
-              <a:rPr kumimoji="0" lang="en-US" sz="1800" b="0" i="0" u="none" strike="noStrike" kern="0" cap="none" spc="0" normalizeH="0" baseline="0" noProof="0" dirty="0">
-                <a:ln>
-                  <a:noFill/>
-                </a:ln>
-                <a:solidFill>
-                  <a:srgbClr val="808080"/>
-                </a:solidFill>
-                <a:effectLst/>
-                <a:uLnTx/>
-                <a:uFillTx/>
-                <a:latin typeface="Consolas" panose="020B0609020204030204" pitchFamily="49" charset="0"/>
-              </a:rPr>
-              <a:t>)</a:t>
-            </a:r>
-            <a:r>
-              <a:rPr kumimoji="0" lang="en-US" sz="1800" b="0" i="0" u="none" strike="noStrike" kern="0" cap="none" spc="0" normalizeH="0" baseline="0" noProof="0" dirty="0">
-                <a:ln>
-                  <a:noFill/>
-                </a:ln>
-                <a:solidFill>
-                  <a:srgbClr val="000000"/>
-                </a:solidFill>
-                <a:effectLst/>
-                <a:uLnTx/>
-                <a:uFillTx/>
-                <a:latin typeface="Consolas" panose="020B0609020204030204" pitchFamily="49" charset="0"/>
-              </a:rPr>
-              <a:t> </a:t>
-            </a:r>
-            <a:r>
-              <a:rPr kumimoji="0" lang="en-US" sz="1800" b="0" i="0" u="none" strike="noStrike" kern="0" cap="none" spc="0" normalizeH="0" baseline="0" noProof="0" dirty="0">
-                <a:ln>
-                  <a:noFill/>
-                </a:ln>
-                <a:solidFill>
-                  <a:srgbClr val="0000FF"/>
-                </a:solidFill>
-                <a:effectLst/>
-                <a:uLnTx/>
-                <a:uFillTx/>
-                <a:latin typeface="Consolas" panose="020B0609020204030204" pitchFamily="49" charset="0"/>
-              </a:rPr>
-              <a:t>USING</a:t>
-            </a:r>
-            <a:r>
-              <a:rPr kumimoji="0" lang="en-US" sz="1800" b="0" i="0" u="none" strike="noStrike" kern="0" cap="none" spc="0" normalizeH="0" baseline="0" noProof="0" dirty="0">
-                <a:ln>
-                  <a:noFill/>
-                </a:ln>
-                <a:solidFill>
-                  <a:srgbClr val="000000"/>
-                </a:solidFill>
-                <a:effectLst/>
-                <a:uLnTx/>
-                <a:uFillTx/>
-                <a:latin typeface="Consolas" panose="020B0609020204030204" pitchFamily="49" charset="0"/>
-              </a:rPr>
-              <a:t> DELTA</a:t>
-            </a:r>
+            <a:endParaRPr kumimoji="0" lang="en-US" sz="1600" b="0" i="0" u="none" strike="noStrike" kern="0" cap="none" spc="0" normalizeH="0" baseline="0" noProof="0" dirty="0">
+              <a:ln>
+                <a:noFill/>
+              </a:ln>
+              <a:solidFill>
+                <a:srgbClr val="000000"/>
+              </a:solidFill>
+              <a:effectLst/>
+              <a:uLnTx/>
+              <a:uFillTx/>
+              <a:latin typeface="Consolas" panose="020B0609020204030204" pitchFamily="49" charset="0"/>
+            </a:endParaRPr>
           </a:p>
           <a:p>
             <a:pPr marL="0" marR="0" lvl="0" indent="0" defTabSz="914400" eaLnBrk="1" fontAlgn="auto" latinLnBrk="0" hangingPunct="1">
@@ -7738,172 +7446,172 @@
               <a:defRPr/>
             </a:pPr>
             <a:r>
-              <a:rPr kumimoji="0" lang="en-US" sz="1800" b="0" i="0" u="none" strike="noStrike" kern="0" cap="none" spc="0" normalizeH="0" baseline="0" noProof="0" dirty="0">
+              <a:rPr kumimoji="0" lang="en-US" sz="1600" b="0" i="0" u="none" strike="noStrike" kern="0" cap="none" spc="0" normalizeH="0" baseline="0" noProof="0" dirty="0">
                 <a:ln>
                   <a:noFill/>
                 </a:ln>
                 <a:solidFill>
-                  <a:srgbClr val="000000"/>
+                  <a:srgbClr val="0000FF"/>
                 </a:solidFill>
                 <a:effectLst/>
                 <a:uLnTx/>
                 <a:uFillTx/>
                 <a:latin typeface="Consolas" panose="020B0609020204030204" pitchFamily="49" charset="0"/>
               </a:rPr>
-              <a:t>TBLPROPERTIES</a:t>
-            </a:r>
-            <a:r>
-              <a:rPr kumimoji="0" lang="en-US" sz="1800" b="0" i="0" u="none" strike="noStrike" kern="0" cap="none" spc="0" normalizeH="0" baseline="0" noProof="0" dirty="0">
+              <a:t>CREATE</a:t>
+            </a:r>
+            <a:r>
+              <a:rPr kumimoji="0" lang="en-US" sz="1600" b="0" i="0" u="none" strike="noStrike" kern="0" cap="none" spc="0" normalizeH="0" baseline="0" noProof="0" dirty="0">
                 <a:ln>
                   <a:noFill/>
                 </a:ln>
                 <a:solidFill>
-                  <a:srgbClr val="808080"/>
+                  <a:srgbClr val="000000"/>
                 </a:solidFill>
                 <a:effectLst/>
                 <a:uLnTx/>
                 <a:uFillTx/>
                 <a:latin typeface="Consolas" panose="020B0609020204030204" pitchFamily="49" charset="0"/>
               </a:rPr>
-              <a:t>(</a:t>
-            </a:r>
-            <a:r>
-              <a:rPr kumimoji="0" lang="en-US" sz="1800" b="1" i="0" u="none" strike="noStrike" kern="0" cap="none" spc="0" normalizeH="0" baseline="0" noProof="0" dirty="0" err="1">
+              <a:t> </a:t>
+            </a:r>
+            <a:r>
+              <a:rPr kumimoji="0" lang="en-US" sz="1600" b="0" i="0" u="none" strike="noStrike" kern="0" cap="none" spc="0" normalizeH="0" baseline="0" noProof="0" dirty="0">
                 <a:ln>
                   <a:noFill/>
                 </a:ln>
                 <a:solidFill>
-                  <a:srgbClr val="000000"/>
+                  <a:srgbClr val="0000FF"/>
                 </a:solidFill>
                 <a:effectLst/>
                 <a:uLnTx/>
                 <a:uFillTx/>
                 <a:latin typeface="Consolas" panose="020B0609020204030204" pitchFamily="49" charset="0"/>
               </a:rPr>
-              <a:t>delta</a:t>
-            </a:r>
-            <a:r>
-              <a:rPr kumimoji="0" lang="en-US" sz="1800" b="1" i="0" u="none" strike="noStrike" kern="0" cap="none" spc="0" normalizeH="0" baseline="0" noProof="0" dirty="0" err="1">
+              <a:t>TABLE</a:t>
+            </a:r>
+            <a:r>
+              <a:rPr kumimoji="0" lang="en-US" sz="1600" b="0" i="0" u="none" strike="noStrike" kern="0" cap="none" spc="0" normalizeH="0" baseline="0" noProof="0" dirty="0">
                 <a:ln>
                   <a:noFill/>
                 </a:ln>
                 <a:solidFill>
-                  <a:srgbClr val="808080"/>
+                  <a:srgbClr val="000000"/>
                 </a:solidFill>
                 <a:effectLst/>
                 <a:uLnTx/>
                 <a:uFillTx/>
                 <a:latin typeface="Consolas" panose="020B0609020204030204" pitchFamily="49" charset="0"/>
               </a:rPr>
-              <a:t>.</a:t>
-            </a:r>
-            <a:r>
-              <a:rPr kumimoji="0" lang="en-US" sz="1800" b="1" i="0" u="none" strike="noStrike" kern="0" cap="none" spc="0" normalizeH="0" baseline="0" noProof="0" dirty="0" err="1">
+              <a:t> </a:t>
+            </a:r>
+            <a:r>
+              <a:rPr kumimoji="0" lang="en-US" sz="1600" b="0" i="0" u="none" strike="noStrike" kern="0" cap="none" spc="0" normalizeH="0" baseline="0" noProof="0" dirty="0">
                 <a:ln>
                   <a:noFill/>
                 </a:ln>
                 <a:solidFill>
-                  <a:srgbClr val="000000"/>
+                  <a:srgbClr val="0000FF"/>
                 </a:solidFill>
                 <a:effectLst/>
                 <a:uLnTx/>
                 <a:uFillTx/>
                 <a:latin typeface="Consolas" panose="020B0609020204030204" pitchFamily="49" charset="0"/>
               </a:rPr>
-              <a:t>compatibility</a:t>
-            </a:r>
-            <a:r>
-              <a:rPr kumimoji="0" lang="en-US" sz="1800" b="1" i="0" u="none" strike="noStrike" kern="0" cap="none" spc="0" normalizeH="0" baseline="0" noProof="0" dirty="0" err="1">
+              <a:t>IF</a:t>
+            </a:r>
+            <a:r>
+              <a:rPr kumimoji="0" lang="en-US" sz="1600" b="0" i="0" u="none" strike="noStrike" kern="0" cap="none" spc="0" normalizeH="0" baseline="0" noProof="0" dirty="0">
                 <a:ln>
                   <a:noFill/>
                 </a:ln>
                 <a:solidFill>
-                  <a:srgbClr val="808080"/>
+                  <a:srgbClr val="000000"/>
                 </a:solidFill>
                 <a:effectLst/>
                 <a:uLnTx/>
                 <a:uFillTx/>
                 <a:latin typeface="Consolas" panose="020B0609020204030204" pitchFamily="49" charset="0"/>
               </a:rPr>
-              <a:t>.</a:t>
-            </a:r>
-            <a:r>
-              <a:rPr kumimoji="0" lang="en-US" sz="1800" b="1" i="0" u="none" strike="noStrike" kern="0" cap="none" spc="0" normalizeH="0" baseline="0" noProof="0" dirty="0" err="1">
+              <a:t> </a:t>
+            </a:r>
+            <a:r>
+              <a:rPr kumimoji="0" lang="en-US" sz="1600" b="0" i="0" u="none" strike="noStrike" kern="0" cap="none" spc="0" normalizeH="0" baseline="0" noProof="0" dirty="0">
                 <a:ln>
                   <a:noFill/>
                 </a:ln>
                 <a:solidFill>
-                  <a:srgbClr val="000000"/>
+                  <a:srgbClr val="808080"/>
                 </a:solidFill>
                 <a:effectLst/>
                 <a:uLnTx/>
                 <a:uFillTx/>
                 <a:latin typeface="Consolas" panose="020B0609020204030204" pitchFamily="49" charset="0"/>
               </a:rPr>
-              <a:t>symlinkFormatManifest</a:t>
-            </a:r>
-            <a:r>
-              <a:rPr kumimoji="0" lang="en-US" sz="1800" b="1" i="0" u="none" strike="noStrike" kern="0" cap="none" spc="0" normalizeH="0" baseline="0" noProof="0" dirty="0" err="1">
+              <a:t>NOT</a:t>
+            </a:r>
+            <a:r>
+              <a:rPr kumimoji="0" lang="en-US" sz="1600" b="0" i="0" u="none" strike="noStrike" kern="0" cap="none" spc="0" normalizeH="0" baseline="0" noProof="0" dirty="0">
                 <a:ln>
                   <a:noFill/>
                 </a:ln>
                 <a:solidFill>
-                  <a:srgbClr val="808080"/>
+                  <a:srgbClr val="000000"/>
                 </a:solidFill>
                 <a:effectLst/>
                 <a:uLnTx/>
                 <a:uFillTx/>
                 <a:latin typeface="Consolas" panose="020B0609020204030204" pitchFamily="49" charset="0"/>
               </a:rPr>
-              <a:t>.</a:t>
-            </a:r>
-            <a:r>
-              <a:rPr kumimoji="0" lang="en-US" sz="1800" b="1" i="0" u="none" strike="noStrike" kern="0" cap="none" spc="0" normalizeH="0" baseline="0" noProof="0" dirty="0" err="1">
+              <a:t> </a:t>
+            </a:r>
+            <a:r>
+              <a:rPr kumimoji="0" lang="en-US" sz="1600" b="0" i="0" u="none" strike="noStrike" kern="0" cap="none" spc="0" normalizeH="0" baseline="0" noProof="0" dirty="0">
                 <a:ln>
                   <a:noFill/>
                 </a:ln>
                 <a:solidFill>
-                  <a:srgbClr val="0000FF"/>
+                  <a:srgbClr val="808080"/>
                 </a:solidFill>
                 <a:effectLst/>
                 <a:uLnTx/>
                 <a:uFillTx/>
                 <a:latin typeface="Consolas" panose="020B0609020204030204" pitchFamily="49" charset="0"/>
               </a:rPr>
-              <a:t>enabled</a:t>
-            </a:r>
-            <a:r>
-              <a:rPr kumimoji="0" lang="en-US" sz="1800" b="1" i="0" u="none" strike="noStrike" kern="0" cap="none" spc="0" normalizeH="0" baseline="0" noProof="0" dirty="0">
+              <a:t>EXISTS</a:t>
+            </a:r>
+            <a:r>
+              <a:rPr kumimoji="0" lang="en-US" sz="1600" b="0" i="0" u="none" strike="noStrike" kern="0" cap="none" spc="0" normalizeH="0" baseline="0" noProof="0" dirty="0">
                 <a:ln>
                   <a:noFill/>
                 </a:ln>
                 <a:solidFill>
-                  <a:srgbClr val="808080"/>
+                  <a:srgbClr val="000000"/>
                 </a:solidFill>
                 <a:effectLst/>
                 <a:uLnTx/>
                 <a:uFillTx/>
                 <a:latin typeface="Consolas" panose="020B0609020204030204" pitchFamily="49" charset="0"/>
               </a:rPr>
-              <a:t>=</a:t>
-            </a:r>
-            <a:r>
-              <a:rPr kumimoji="0" lang="en-US" sz="1800" b="1" i="0" u="none" strike="noStrike" kern="0" cap="none" spc="0" normalizeH="0" baseline="0" noProof="0" dirty="0">
+              <a:t> Test</a:t>
+            </a:r>
+            <a:r>
+              <a:rPr kumimoji="0" lang="en-US" sz="1600" b="0" i="0" u="none" strike="noStrike" kern="0" cap="none" spc="0" normalizeH="0" baseline="0" noProof="0" dirty="0">
                 <a:ln>
                   <a:noFill/>
                 </a:ln>
                 <a:solidFill>
-                  <a:srgbClr val="000000"/>
+                  <a:srgbClr val="0000FF"/>
                 </a:solidFill>
                 <a:effectLst/>
                 <a:uLnTx/>
                 <a:uFillTx/>
                 <a:latin typeface="Consolas" panose="020B0609020204030204" pitchFamily="49" charset="0"/>
               </a:rPr>
-              <a:t>true</a:t>
-            </a:r>
-            <a:r>
-              <a:rPr kumimoji="0" lang="en-US" sz="1800" b="0" i="0" u="none" strike="noStrike" kern="0" cap="none" spc="0" normalizeH="0" baseline="0" noProof="0" dirty="0">
+              <a:t> </a:t>
+            </a:r>
+            <a:r>
+              <a:rPr kumimoji="0" lang="en-US" sz="1600" b="0" i="0" u="none" strike="noStrike" kern="0" cap="none" spc="0" normalizeH="0" baseline="0" noProof="0" dirty="0">
                 <a:ln>
                   <a:noFill/>
                 </a:ln>
@@ -7915,20 +7623,98 @@
                 <a:uFillTx/>
                 <a:latin typeface="Consolas" panose="020B0609020204030204" pitchFamily="49" charset="0"/>
               </a:rPr>
-              <a:t>);</a:t>
-            </a:r>
-            <a:endParaRPr kumimoji="0" lang="en-US" sz="1800" b="0" i="0" u="none" strike="noStrike" kern="0" cap="none" spc="0" normalizeH="0" baseline="0" noProof="0" dirty="0">
-              <a:ln>
-                <a:noFill/>
-              </a:ln>
-              <a:solidFill>
-                <a:srgbClr val="000000"/>
-              </a:solidFill>
-              <a:effectLst/>
-              <a:uLnTx/>
-              <a:uFillTx/>
-              <a:latin typeface="Consolas" panose="020B0609020204030204" pitchFamily="49" charset="0"/>
-            </a:endParaRPr>
+              <a:t>(</a:t>
+            </a:r>
+            <a:r>
+              <a:rPr kumimoji="0" lang="en-US" sz="1600" b="0" i="0" u="none" strike="noStrike" kern="0" cap="none" spc="0" normalizeH="0" baseline="0" noProof="0" dirty="0">
+                <a:ln>
+                  <a:noFill/>
+                </a:ln>
+                <a:solidFill>
+                  <a:srgbClr val="000000"/>
+                </a:solidFill>
+                <a:effectLst/>
+                <a:uLnTx/>
+                <a:uFillTx/>
+                <a:latin typeface="Consolas" panose="020B0609020204030204" pitchFamily="49" charset="0"/>
+              </a:rPr>
+              <a:t>Val </a:t>
+            </a:r>
+            <a:r>
+              <a:rPr kumimoji="0" lang="en-US" sz="1600" b="0" i="0" u="none" strike="noStrike" kern="0" cap="none" spc="0" normalizeH="0" baseline="0" noProof="0" dirty="0">
+                <a:ln>
+                  <a:noFill/>
+                </a:ln>
+                <a:solidFill>
+                  <a:srgbClr val="0000FF"/>
+                </a:solidFill>
+                <a:effectLst/>
+                <a:uLnTx/>
+                <a:uFillTx/>
+                <a:latin typeface="Consolas" panose="020B0609020204030204" pitchFamily="49" charset="0"/>
+              </a:rPr>
+              <a:t>INT</a:t>
+            </a:r>
+            <a:r>
+              <a:rPr kumimoji="0" lang="en-US" sz="1600" b="0" i="0" u="none" strike="noStrike" kern="0" cap="none" spc="0" normalizeH="0" baseline="0" noProof="0" dirty="0">
+                <a:ln>
+                  <a:noFill/>
+                </a:ln>
+                <a:solidFill>
+                  <a:srgbClr val="808080"/>
+                </a:solidFill>
+                <a:effectLst/>
+                <a:uLnTx/>
+                <a:uFillTx/>
+                <a:latin typeface="Consolas" panose="020B0609020204030204" pitchFamily="49" charset="0"/>
+              </a:rPr>
+              <a:t>)</a:t>
+            </a:r>
+            <a:r>
+              <a:rPr kumimoji="0" lang="en-US" sz="1600" b="0" i="0" u="none" strike="noStrike" kern="0" cap="none" spc="0" normalizeH="0" baseline="0" noProof="0" dirty="0">
+                <a:ln>
+                  <a:noFill/>
+                </a:ln>
+                <a:solidFill>
+                  <a:srgbClr val="000000"/>
+                </a:solidFill>
+                <a:effectLst/>
+                <a:uLnTx/>
+                <a:uFillTx/>
+                <a:latin typeface="Consolas" panose="020B0609020204030204" pitchFamily="49" charset="0"/>
+              </a:rPr>
+              <a:t> </a:t>
+            </a:r>
+            <a:r>
+              <a:rPr kumimoji="0" lang="en-US" sz="1600" b="0" i="0" u="none" strike="noStrike" kern="0" cap="none" spc="0" normalizeH="0" baseline="0" noProof="0" dirty="0">
+                <a:ln>
+                  <a:noFill/>
+                </a:ln>
+                <a:solidFill>
+                  <a:srgbClr val="0000FF"/>
+                </a:solidFill>
+                <a:effectLst/>
+                <a:uLnTx/>
+                <a:uFillTx/>
+                <a:latin typeface="Consolas" panose="020B0609020204030204" pitchFamily="49" charset="0"/>
+              </a:rPr>
+              <a:t>USING</a:t>
+            </a:r>
+            <a:r>
+              <a:rPr kumimoji="0" lang="en-US" sz="1600" b="0" i="0" u="none" strike="noStrike" kern="0" cap="none" spc="0" normalizeH="0" baseline="0" noProof="0" dirty="0">
+                <a:ln>
+                  <a:noFill/>
+                </a:ln>
+                <a:solidFill>
+                  <a:srgbClr val="000000"/>
+                </a:solidFill>
+                <a:effectLst/>
+                <a:uLnTx/>
+                <a:uFillTx/>
+                <a:latin typeface="Consolas" panose="020B0609020204030204" pitchFamily="49" charset="0"/>
+              </a:rPr>
+              <a:t> DELTA</a:t>
+            </a:r>
           </a:p>
           <a:p>
             <a:pPr marL="0" marR="0" lvl="0" indent="0" defTabSz="914400" eaLnBrk="1" fontAlgn="auto" latinLnBrk="0" hangingPunct="1">
@@ -7949,7 +7735,7 @@
               <a:defRPr/>
             </a:pPr>
             <a:r>
-              <a:rPr kumimoji="0" lang="en-US" sz="1800" b="1" i="0" u="none" strike="noStrike" kern="0" cap="none" spc="0" normalizeH="0" baseline="0" noProof="0" dirty="0">
+              <a:rPr kumimoji="0" lang="en-US" sz="1600" b="0" i="0" u="none" strike="noStrike" kern="0" cap="none" spc="0" normalizeH="0" baseline="0" noProof="0" dirty="0">
                 <a:ln>
                   <a:noFill/>
                 </a:ln>
@@ -7961,25 +7747,25 @@
                 <a:uFillTx/>
                 <a:latin typeface="Consolas" panose="020B0609020204030204" pitchFamily="49" charset="0"/>
               </a:rPr>
-              <a:t>GENERATE </a:t>
-            </a:r>
-            <a:r>
-              <a:rPr kumimoji="0" lang="en-US" sz="1800" b="1" i="0" u="none" strike="noStrike" kern="0" cap="none" spc="0" normalizeH="0" baseline="0" noProof="0" dirty="0" err="1">
+              <a:t>TBLPROPERTIES</a:t>
+            </a:r>
+            <a:r>
+              <a:rPr kumimoji="0" lang="en-US" sz="1600" b="0" i="0" u="none" strike="noStrike" kern="0" cap="none" spc="0" normalizeH="0" baseline="0" noProof="0" dirty="0">
                 <a:ln>
                   <a:noFill/>
                 </a:ln>
                 <a:solidFill>
-                  <a:srgbClr val="000000"/>
+                  <a:srgbClr val="808080"/>
                 </a:solidFill>
                 <a:effectLst/>
                 <a:uLnTx/>
                 <a:uFillTx/>
                 <a:latin typeface="Consolas" panose="020B0609020204030204" pitchFamily="49" charset="0"/>
               </a:rPr>
-              <a:t>symlink_format_manifest</a:t>
-            </a:r>
-            <a:r>
-              <a:rPr kumimoji="0" lang="en-US" sz="1800" b="1" i="0" u="none" strike="noStrike" kern="0" cap="none" spc="0" normalizeH="0" baseline="0" noProof="0" dirty="0">
+              <a:t>(</a:t>
+            </a:r>
+            <a:r>
+              <a:rPr kumimoji="0" lang="en-US" sz="1600" b="1" i="0" u="none" strike="noStrike" kern="0" cap="none" spc="0" normalizeH="0" baseline="0" noProof="0" dirty="0" err="1">
                 <a:ln>
                   <a:noFill/>
                 </a:ln>
@@ -7991,25 +7777,25 @@
                 <a:uFillTx/>
                 <a:latin typeface="Consolas" panose="020B0609020204030204" pitchFamily="49" charset="0"/>
               </a:rPr>
-              <a:t> </a:t>
-            </a:r>
-            <a:r>
-              <a:rPr kumimoji="0" lang="en-US" sz="1800" b="0" i="0" u="none" strike="noStrike" kern="0" cap="none" spc="0" normalizeH="0" baseline="0" noProof="0" dirty="0">
+              <a:t>delta</a:t>
+            </a:r>
+            <a:r>
+              <a:rPr kumimoji="0" lang="en-US" sz="1600" b="1" i="0" u="none" strike="noStrike" kern="0" cap="none" spc="0" normalizeH="0" baseline="0" noProof="0" dirty="0" err="1">
                 <a:ln>
                   <a:noFill/>
                 </a:ln>
                 <a:solidFill>
-                  <a:srgbClr val="0000FF"/>
+                  <a:srgbClr val="808080"/>
                 </a:solidFill>
                 <a:effectLst/>
                 <a:uLnTx/>
                 <a:uFillTx/>
                 <a:latin typeface="Consolas" panose="020B0609020204030204" pitchFamily="49" charset="0"/>
               </a:rPr>
-              <a:t>FOR</a:t>
-            </a:r>
-            <a:r>
-              <a:rPr kumimoji="0" lang="en-US" sz="1800" b="0" i="0" u="none" strike="noStrike" kern="0" cap="none" spc="0" normalizeH="0" baseline="0" noProof="0" dirty="0">
+              <a:t>.</a:t>
+            </a:r>
+            <a:r>
+              <a:rPr kumimoji="0" lang="en-US" sz="1600" b="1" i="0" u="none" strike="noStrike" kern="0" cap="none" spc="0" normalizeH="0" baseline="0" noProof="0" dirty="0" err="1">
                 <a:ln>
                   <a:noFill/>
                 </a:ln>
@@ -8021,7 +7807,112 @@
                 <a:uFillTx/>
                 <a:latin typeface="Consolas" panose="020B0609020204030204" pitchFamily="49" charset="0"/>
               </a:rPr>
-              <a:t> </a:t>
+              <a:t>compatibility</a:t>
+            </a:r>
+            <a:r>
+              <a:rPr kumimoji="0" lang="en-US" sz="1600" b="1" i="0" u="none" strike="noStrike" kern="0" cap="none" spc="0" normalizeH="0" baseline="0" noProof="0" dirty="0" err="1">
+                <a:ln>
+                  <a:noFill/>
+                </a:ln>
+                <a:solidFill>
+                  <a:srgbClr val="808080"/>
+                </a:solidFill>
+                <a:effectLst/>
+                <a:uLnTx/>
+                <a:uFillTx/>
+                <a:latin typeface="Consolas" panose="020B0609020204030204" pitchFamily="49" charset="0"/>
+              </a:rPr>
+              <a:t>.</a:t>
+            </a:r>
+            <a:r>
+              <a:rPr kumimoji="0" lang="en-US" sz="1600" b="1" i="0" u="none" strike="noStrike" kern="0" cap="none" spc="0" normalizeH="0" baseline="0" noProof="0" dirty="0" err="1">
+                <a:ln>
+                  <a:noFill/>
+                </a:ln>
+                <a:solidFill>
+                  <a:srgbClr val="000000"/>
+                </a:solidFill>
+                <a:effectLst/>
+                <a:uLnTx/>
+                <a:uFillTx/>
+                <a:latin typeface="Consolas" panose="020B0609020204030204" pitchFamily="49" charset="0"/>
+              </a:rPr>
+              <a:t>symlinkFormatManifest</a:t>
+            </a:r>
+            <a:r>
+              <a:rPr kumimoji="0" lang="en-US" sz="1600" b="1" i="0" u="none" strike="noStrike" kern="0" cap="none" spc="0" normalizeH="0" baseline="0" noProof="0" dirty="0" err="1">
+                <a:ln>
+                  <a:noFill/>
+                </a:ln>
+                <a:solidFill>
+                  <a:srgbClr val="808080"/>
+                </a:solidFill>
+                <a:effectLst/>
+                <a:uLnTx/>
+                <a:uFillTx/>
+                <a:latin typeface="Consolas" panose="020B0609020204030204" pitchFamily="49" charset="0"/>
+              </a:rPr>
+              <a:t>.</a:t>
+            </a:r>
+            <a:r>
+              <a:rPr kumimoji="0" lang="en-US" sz="1600" b="1" i="0" u="none" strike="noStrike" kern="0" cap="none" spc="0" normalizeH="0" baseline="0" noProof="0" dirty="0" err="1">
+                <a:ln>
+                  <a:noFill/>
+                </a:ln>
+                <a:solidFill>
+                  <a:srgbClr val="0000FF"/>
+                </a:solidFill>
+                <a:effectLst/>
+                <a:uLnTx/>
+                <a:uFillTx/>
+                <a:latin typeface="Consolas" panose="020B0609020204030204" pitchFamily="49" charset="0"/>
+              </a:rPr>
+              <a:t>enabled</a:t>
+            </a:r>
+            <a:r>
+              <a:rPr kumimoji="0" lang="en-US" sz="1600" b="1" i="0" u="none" strike="noStrike" kern="0" cap="none" spc="0" normalizeH="0" baseline="0" noProof="0" dirty="0">
+                <a:ln>
+                  <a:noFill/>
+                </a:ln>
+                <a:solidFill>
+                  <a:srgbClr val="808080"/>
+                </a:solidFill>
+                <a:effectLst/>
+                <a:uLnTx/>
+                <a:uFillTx/>
+                <a:latin typeface="Consolas" panose="020B0609020204030204" pitchFamily="49" charset="0"/>
+              </a:rPr>
+              <a:t>=</a:t>
+            </a:r>
+            <a:r>
+              <a:rPr kumimoji="0" lang="en-US" sz="1600" b="1" i="0" u="none" strike="noStrike" kern="0" cap="none" spc="0" normalizeH="0" baseline="0" noProof="0" dirty="0">
+                <a:ln>
+                  <a:noFill/>
+                </a:ln>
+                <a:solidFill>
+                  <a:srgbClr val="000000"/>
+                </a:solidFill>
+                <a:effectLst/>
+                <a:uLnTx/>
+                <a:uFillTx/>
+                <a:latin typeface="Consolas" panose="020B0609020204030204" pitchFamily="49" charset="0"/>
+              </a:rPr>
+              <a:t>true</a:t>
+            </a:r>
+            <a:r>
+              <a:rPr kumimoji="0" lang="en-US" sz="1600" b="0" i="0" u="none" strike="noStrike" kern="0" cap="none" spc="0" normalizeH="0" baseline="0" noProof="0" dirty="0">
+                <a:ln>
+                  <a:noFill/>
+                </a:ln>
+                <a:solidFill>
+                  <a:srgbClr val="808080"/>
+                </a:solidFill>
+                <a:effectLst/>
+                <a:uLnTx/>
+                <a:uFillTx/>
+                <a:latin typeface="Consolas" panose="020B0609020204030204" pitchFamily="49" charset="0"/>
+              </a:rPr>
+              <a:t>);</a:t>
             </a:r>
           </a:p>
           <a:p>
@@ -8042,8 +7933,39 @@
               <a:tabLst/>
               <a:defRPr/>
             </a:pPr>
-            <a:r>
-              <a:rPr kumimoji="0" lang="en-US" sz="1800" b="0" i="0" u="none" strike="noStrike" kern="0" cap="none" spc="0" normalizeH="0" baseline="0" noProof="0" dirty="0">
+            <a:endParaRPr kumimoji="0" lang="en-US" sz="1600" b="0" i="0" u="none" strike="noStrike" kern="0" cap="none" spc="0" normalizeH="0" baseline="0" noProof="0" dirty="0">
+              <a:ln>
+                <a:noFill/>
+              </a:ln>
+              <a:solidFill>
+                <a:srgbClr val="000000"/>
+              </a:solidFill>
+              <a:effectLst/>
+              <a:uLnTx/>
+              <a:uFillTx/>
+              <a:latin typeface="Consolas" panose="020B0609020204030204" pitchFamily="49" charset="0"/>
+            </a:endParaRPr>
+          </a:p>
+          <a:p>
+            <a:pPr marL="0" marR="0" lvl="0" indent="0" defTabSz="914400" eaLnBrk="1" fontAlgn="auto" latinLnBrk="0" hangingPunct="1">
+              <a:lnSpc>
+                <a:spcPct val="100000"/>
+              </a:lnSpc>
+              <a:spcBef>
+                <a:spcPts val="0"/>
+              </a:spcBef>
+              <a:spcAft>
+                <a:spcPts val="0"/>
+              </a:spcAft>
+              <a:buClrTx/>
+              <a:buSzTx/>
+              <a:buFontTx/>
+              <a:buNone/>
+              <a:tabLst/>
+              <a:defRPr/>
+            </a:pPr>
+            <a:r>
+              <a:rPr kumimoji="0" lang="en-US" sz="1600" b="1" i="0" u="none" strike="noStrike" kern="0" cap="none" spc="0" normalizeH="0" baseline="0" noProof="0" dirty="0">
                 <a:ln>
                   <a:noFill/>
                 </a:ln>
@@ -8055,25 +7977,25 @@
                 <a:uFillTx/>
                 <a:latin typeface="Consolas" panose="020B0609020204030204" pitchFamily="49" charset="0"/>
               </a:rPr>
-              <a:t> </a:t>
-            </a:r>
-            <a:r>
-              <a:rPr kumimoji="0" lang="en-US" sz="1800" b="0" i="0" u="none" strike="noStrike" kern="0" cap="none" spc="0" normalizeH="0" baseline="0" noProof="0" dirty="0">
+              <a:t>GENERATE </a:t>
+            </a:r>
+            <a:r>
+              <a:rPr kumimoji="0" lang="en-US" sz="1600" b="1" i="0" u="none" strike="noStrike" kern="0" cap="none" spc="0" normalizeH="0" baseline="0" noProof="0" dirty="0" err="1">
                 <a:ln>
                   <a:noFill/>
                 </a:ln>
                 <a:solidFill>
-                  <a:srgbClr val="0000FF"/>
+                  <a:srgbClr val="000000"/>
                 </a:solidFill>
                 <a:effectLst/>
                 <a:uLnTx/>
                 <a:uFillTx/>
                 <a:latin typeface="Consolas" panose="020B0609020204030204" pitchFamily="49" charset="0"/>
               </a:rPr>
-              <a:t>TABLE</a:t>
-            </a:r>
-            <a:r>
-              <a:rPr kumimoji="0" lang="en-US" sz="1800" b="0" i="0" u="none" strike="noStrike" kern="0" cap="none" spc="0" normalizeH="0" baseline="0" noProof="0" dirty="0">
+              <a:t>symlink_format_manifest</a:t>
+            </a:r>
+            <a:r>
+              <a:rPr kumimoji="0" lang="en-US" sz="1600" b="1" i="0" u="none" strike="noStrike" kern="0" cap="none" spc="0" normalizeH="0" baseline="0" noProof="0" dirty="0">
                 <a:ln>
                   <a:noFill/>
                 </a:ln>
@@ -8085,25 +8007,25 @@
                 <a:uFillTx/>
                 <a:latin typeface="Consolas" panose="020B0609020204030204" pitchFamily="49" charset="0"/>
               </a:rPr>
-              <a:t> delta</a:t>
-            </a:r>
-            <a:r>
-              <a:rPr kumimoji="0" lang="en-US" sz="1800" b="0" i="0" u="none" strike="noStrike" kern="0" cap="none" spc="0" normalizeH="0" baseline="0" noProof="0" dirty="0">
+              <a:t> </a:t>
+            </a:r>
+            <a:r>
+              <a:rPr kumimoji="0" lang="en-US" sz="1600" b="0" i="0" u="none" strike="noStrike" kern="0" cap="none" spc="0" normalizeH="0" baseline="0" noProof="0" dirty="0">
                 <a:ln>
                   <a:noFill/>
                 </a:ln>
                 <a:solidFill>
-                  <a:srgbClr val="808080"/>
+                  <a:srgbClr val="0000FF"/>
                 </a:solidFill>
                 <a:effectLst/>
                 <a:uLnTx/>
                 <a:uFillTx/>
                 <a:latin typeface="Consolas" panose="020B0609020204030204" pitchFamily="49" charset="0"/>
               </a:rPr>
-              <a:t>.</a:t>
-            </a:r>
-            <a:r>
-              <a:rPr kumimoji="0" lang="en-US" sz="1800" b="0" i="0" u="none" strike="noStrike" kern="0" cap="none" spc="0" normalizeH="0" baseline="0" noProof="0" dirty="0">
+              <a:t>FOR</a:t>
+            </a:r>
+            <a:r>
+              <a:rPr kumimoji="0" lang="en-US" sz="1600" b="0" i="0" u="none" strike="noStrike" kern="0" cap="none" spc="0" normalizeH="0" baseline="0" noProof="0" dirty="0">
                 <a:ln>
                   <a:noFill/>
                 </a:ln>
@@ -8115,25 +8037,44 @@
                 <a:uFillTx/>
                 <a:latin typeface="Consolas" panose="020B0609020204030204" pitchFamily="49" charset="0"/>
               </a:rPr>
-              <a:t>`</a:t>
-            </a:r>
-            <a:r>
-              <a:rPr kumimoji="0" lang="en-US" sz="1800" b="0" i="0" u="none" strike="noStrike" kern="0" cap="none" spc="0" normalizeH="0" baseline="0" noProof="0" dirty="0" err="1">
+              <a:t> </a:t>
+            </a:r>
+          </a:p>
+          <a:p>
+            <a:pPr marL="0" marR="0" lvl="0" indent="0" defTabSz="914400" eaLnBrk="1" fontAlgn="auto" latinLnBrk="0" hangingPunct="1">
+              <a:lnSpc>
+                <a:spcPct val="100000"/>
+              </a:lnSpc>
+              <a:spcBef>
+                <a:spcPts val="0"/>
+              </a:spcBef>
+              <a:spcAft>
+                <a:spcPts val="0"/>
+              </a:spcAft>
+              <a:buClrTx/>
+              <a:buSzTx/>
+              <a:buFontTx/>
+              <a:buNone/>
+              <a:tabLst/>
+              <a:defRPr/>
+            </a:pPr>
+            <a:r>
+              <a:rPr kumimoji="0" lang="en-US" sz="1600" b="0" i="0" u="none" strike="noStrike" kern="0" cap="none" spc="0" normalizeH="0" baseline="0" noProof="0" dirty="0">
                 <a:ln>
                   <a:noFill/>
                 </a:ln>
                 <a:solidFill>
-                  <a:srgbClr val="0000FF"/>
+                  <a:srgbClr val="000000"/>
                 </a:solidFill>
                 <a:effectLst/>
                 <a:uLnTx/>
                 <a:uFillTx/>
                 <a:latin typeface="Consolas" panose="020B0609020204030204" pitchFamily="49" charset="0"/>
               </a:rPr>
-              <a:t>dbfs</a:t>
-            </a:r>
-            <a:r>
-              <a:rPr kumimoji="0" lang="en-US" sz="1800" b="0" i="0" u="none" strike="noStrike" kern="0" cap="none" spc="0" normalizeH="0" baseline="0" noProof="0" dirty="0">
+              <a:t> </a:t>
+            </a:r>
+            <a:r>
+              <a:rPr kumimoji="0" lang="en-US" sz="1600" b="0" i="0" u="none" strike="noStrike" kern="0" cap="none" spc="0" normalizeH="0" baseline="0" noProof="0" dirty="0">
                 <a:ln>
                   <a:noFill/>
                 </a:ln>
@@ -8145,190 +8086,190 @@
                 <a:uFillTx/>
                 <a:latin typeface="Consolas" panose="020B0609020204030204" pitchFamily="49" charset="0"/>
               </a:rPr>
-              <a:t>:</a:t>
-            </a:r>
-            <a:r>
-              <a:rPr kumimoji="0" lang="en-US" sz="1800" b="0" i="0" u="none" strike="noStrike" kern="0" cap="none" spc="0" normalizeH="0" baseline="0" noProof="0" dirty="0">
+              <a:t>TABLE</a:t>
+            </a:r>
+            <a:r>
+              <a:rPr kumimoji="0" lang="en-US" sz="1600" b="0" i="0" u="none" strike="noStrike" kern="0" cap="none" spc="0" normalizeH="0" baseline="0" noProof="0" dirty="0">
                 <a:ln>
                   <a:noFill/>
                 </a:ln>
                 <a:solidFill>
-                  <a:srgbClr val="808080"/>
+                  <a:srgbClr val="000000"/>
                 </a:solidFill>
                 <a:effectLst/>
                 <a:uLnTx/>
                 <a:uFillTx/>
                 <a:latin typeface="Consolas" panose="020B0609020204030204" pitchFamily="49" charset="0"/>
               </a:rPr>
-              <a:t>/</a:t>
-            </a:r>
-            <a:r>
-              <a:rPr kumimoji="0" lang="en-US" sz="1800" b="0" i="0" u="none" strike="noStrike" kern="0" cap="none" spc="0" normalizeH="0" baseline="0" noProof="0" dirty="0" err="1">
+              <a:t> delta</a:t>
+            </a:r>
+            <a:r>
+              <a:rPr kumimoji="0" lang="en-US" sz="1600" b="0" i="0" u="none" strike="noStrike" kern="0" cap="none" spc="0" normalizeH="0" baseline="0" noProof="0" dirty="0">
                 <a:ln>
                   <a:noFill/>
                 </a:ln>
                 <a:solidFill>
-                  <a:srgbClr val="000000"/>
+                  <a:srgbClr val="808080"/>
                 </a:solidFill>
                 <a:effectLst/>
                 <a:uLnTx/>
                 <a:uFillTx/>
                 <a:latin typeface="Consolas" panose="020B0609020204030204" pitchFamily="49" charset="0"/>
               </a:rPr>
-              <a:t>mnt</a:t>
-            </a:r>
-            <a:r>
-              <a:rPr kumimoji="0" lang="en-US" sz="1800" b="0" i="0" u="none" strike="noStrike" kern="0" cap="none" spc="0" normalizeH="0" baseline="0" noProof="0" dirty="0">
+              <a:t>.</a:t>
+            </a:r>
+            <a:r>
+              <a:rPr kumimoji="0" lang="en-US" sz="1600" b="0" i="0" u="none" strike="noStrike" kern="0" cap="none" spc="0" normalizeH="0" baseline="0" noProof="0" dirty="0">
                 <a:ln>
                   <a:noFill/>
                 </a:ln>
                 <a:solidFill>
-                  <a:srgbClr val="808080"/>
+                  <a:srgbClr val="000000"/>
                 </a:solidFill>
                 <a:effectLst/>
                 <a:uLnTx/>
                 <a:uFillTx/>
                 <a:latin typeface="Consolas" panose="020B0609020204030204" pitchFamily="49" charset="0"/>
               </a:rPr>
-              <a:t>/</a:t>
-            </a:r>
-            <a:r>
-              <a:rPr kumimoji="0" lang="en-US" sz="1800" b="0" i="0" u="none" strike="noStrike" kern="0" cap="none" spc="0" normalizeH="0" baseline="0" noProof="0" dirty="0" err="1">
+              <a:t>`</a:t>
+            </a:r>
+            <a:r>
+              <a:rPr kumimoji="0" lang="en-US" sz="1600" b="0" i="0" u="none" strike="noStrike" kern="0" cap="none" spc="0" normalizeH="0" baseline="0" noProof="0" dirty="0" err="1">
                 <a:ln>
                   <a:noFill/>
                 </a:ln>
                 <a:solidFill>
-                  <a:srgbClr val="000000"/>
+                  <a:srgbClr val="0000FF"/>
                 </a:solidFill>
                 <a:effectLst/>
                 <a:uLnTx/>
                 <a:uFillTx/>
                 <a:latin typeface="Consolas" panose="020B0609020204030204" pitchFamily="49" charset="0"/>
               </a:rPr>
-              <a:t>datalake</a:t>
-            </a:r>
-            <a:r>
-              <a:rPr kumimoji="0" lang="en-US" sz="1800" b="0" i="0" u="none" strike="noStrike" kern="0" cap="none" spc="0" normalizeH="0" baseline="0" noProof="0" dirty="0">
+              <a:t>dbfs</a:t>
+            </a:r>
+            <a:r>
+              <a:rPr kumimoji="0" lang="en-US" sz="1600" b="0" i="0" u="none" strike="noStrike" kern="0" cap="none" spc="0" normalizeH="0" baseline="0" noProof="0" dirty="0">
                 <a:ln>
                   <a:noFill/>
                 </a:ln>
                 <a:solidFill>
-                  <a:srgbClr val="808080"/>
+                  <a:srgbClr val="0000FF"/>
                 </a:solidFill>
                 <a:effectLst/>
                 <a:uLnTx/>
                 <a:uFillTx/>
                 <a:latin typeface="Consolas" panose="020B0609020204030204" pitchFamily="49" charset="0"/>
               </a:rPr>
-              <a:t>/</a:t>
-            </a:r>
-            <a:r>
-              <a:rPr kumimoji="0" lang="en-US" sz="1800" b="0" i="0" u="none" strike="noStrike" kern="0" cap="none" spc="0" normalizeH="0" baseline="0" noProof="0" dirty="0" err="1">
+              <a:t>:</a:t>
+            </a:r>
+            <a:r>
+              <a:rPr kumimoji="0" lang="en-US" sz="1600" b="0" i="0" u="none" strike="noStrike" kern="0" cap="none" spc="0" normalizeH="0" baseline="0" noProof="0" dirty="0">
                 <a:ln>
                   <a:noFill/>
                 </a:ln>
                 <a:solidFill>
-                  <a:srgbClr val="000000"/>
+                  <a:srgbClr val="808080"/>
                 </a:solidFill>
                 <a:effectLst/>
                 <a:uLnTx/>
                 <a:uFillTx/>
                 <a:latin typeface="Consolas" panose="020B0609020204030204" pitchFamily="49" charset="0"/>
               </a:rPr>
-              <a:t>analytics_zone</a:t>
-            </a:r>
-            <a:r>
-              <a:rPr kumimoji="0" lang="en-US" sz="1800" b="0" i="0" u="none" strike="noStrike" kern="0" cap="none" spc="0" normalizeH="0" baseline="0" noProof="0" dirty="0">
+              <a:t>/</a:t>
+            </a:r>
+            <a:r>
+              <a:rPr kumimoji="0" lang="en-US" sz="1600" b="0" i="0" u="none" strike="noStrike" kern="0" cap="none" spc="0" normalizeH="0" baseline="0" noProof="0" dirty="0" err="1">
                 <a:ln>
                   <a:noFill/>
                 </a:ln>
                 <a:solidFill>
-                  <a:srgbClr val="808080"/>
+                  <a:srgbClr val="000000"/>
                 </a:solidFill>
                 <a:effectLst/>
                 <a:uLnTx/>
                 <a:uFillTx/>
                 <a:latin typeface="Consolas" panose="020B0609020204030204" pitchFamily="49" charset="0"/>
               </a:rPr>
-              <a:t>/</a:t>
-            </a:r>
-            <a:r>
-              <a:rPr kumimoji="0" lang="en-US" sz="1800" b="0" i="0" u="none" strike="noStrike" kern="0" cap="none" spc="0" normalizeH="0" baseline="0" noProof="0" dirty="0">
+              <a:t>mnt</a:t>
+            </a:r>
+            <a:r>
+              <a:rPr kumimoji="0" lang="en-US" sz="1600" b="0" i="0" u="none" strike="noStrike" kern="0" cap="none" spc="0" normalizeH="0" baseline="0" noProof="0" dirty="0">
                 <a:ln>
                   <a:noFill/>
                 </a:ln>
                 <a:solidFill>
-                  <a:srgbClr val="000000"/>
+                  <a:srgbClr val="808080"/>
                 </a:solidFill>
                 <a:effectLst/>
                 <a:uLnTx/>
                 <a:uFillTx/>
                 <a:latin typeface="Consolas" panose="020B0609020204030204" pitchFamily="49" charset="0"/>
               </a:rPr>
-              <a:t>DWHS</a:t>
-            </a:r>
-            <a:r>
-              <a:rPr kumimoji="0" lang="en-US" sz="1800" b="0" i="0" u="none" strike="noStrike" kern="0" cap="none" spc="0" normalizeH="0" baseline="0" noProof="0" dirty="0">
+              <a:t>/</a:t>
+            </a:r>
+            <a:r>
+              <a:rPr kumimoji="0" lang="en-US" sz="1600" b="0" i="0" u="none" strike="noStrike" kern="0" cap="none" spc="0" normalizeH="0" baseline="0" noProof="0" dirty="0" err="1">
                 <a:ln>
                   <a:noFill/>
                 </a:ln>
                 <a:solidFill>
-                  <a:srgbClr val="808080"/>
+                  <a:srgbClr val="000000"/>
                 </a:solidFill>
                 <a:effectLst/>
                 <a:uLnTx/>
                 <a:uFillTx/>
                 <a:latin typeface="Consolas" panose="020B0609020204030204" pitchFamily="49" charset="0"/>
               </a:rPr>
-              <a:t>/</a:t>
-            </a:r>
-            <a:r>
-              <a:rPr kumimoji="0" lang="en-US" sz="1800" b="0" i="0" u="none" strike="noStrike" kern="0" cap="none" spc="0" normalizeH="0" baseline="0" noProof="0" dirty="0" err="1">
+              <a:t>datalake</a:t>
+            </a:r>
+            <a:r>
+              <a:rPr kumimoji="0" lang="en-US" sz="1600" b="0" i="0" u="none" strike="noStrike" kern="0" cap="none" spc="0" normalizeH="0" baseline="0" noProof="0" dirty="0">
                 <a:ln>
                   <a:noFill/>
                 </a:ln>
                 <a:solidFill>
-                  <a:srgbClr val="000000"/>
+                  <a:srgbClr val="808080"/>
                 </a:solidFill>
                 <a:effectLst/>
                 <a:uLnTx/>
                 <a:uFillTx/>
                 <a:latin typeface="Consolas" panose="020B0609020204030204" pitchFamily="49" charset="0"/>
               </a:rPr>
-              <a:t>DeltaDWH</a:t>
-            </a:r>
-            <a:r>
-              <a:rPr kumimoji="0" lang="en-US" sz="1800" b="0" i="0" u="none" strike="noStrike" kern="0" cap="none" spc="0" normalizeH="0" baseline="0" noProof="0" dirty="0">
+              <a:t>/</a:t>
+            </a:r>
+            <a:r>
+              <a:rPr kumimoji="0" lang="en-US" sz="1600" b="0" i="0" u="none" strike="noStrike" kern="0" cap="none" spc="0" normalizeH="0" baseline="0" noProof="0" dirty="0" err="1">
                 <a:ln>
                   <a:noFill/>
                 </a:ln>
                 <a:solidFill>
-                  <a:srgbClr val="808080"/>
+                  <a:srgbClr val="000000"/>
                 </a:solidFill>
                 <a:effectLst/>
                 <a:uLnTx/>
                 <a:uFillTx/>
                 <a:latin typeface="Consolas" panose="020B0609020204030204" pitchFamily="49" charset="0"/>
               </a:rPr>
-              <a:t>/</a:t>
-            </a:r>
-            <a:r>
-              <a:rPr kumimoji="0" lang="en-US" sz="1800" b="0" i="0" u="none" strike="noStrike" kern="0" cap="none" spc="0" normalizeH="0" baseline="0" noProof="0" dirty="0" err="1">
+              <a:t>analytics_zone</a:t>
+            </a:r>
+            <a:r>
+              <a:rPr kumimoji="0" lang="en-US" sz="1600" b="0" i="0" u="none" strike="noStrike" kern="0" cap="none" spc="0" normalizeH="0" baseline="0" noProof="0" dirty="0">
                 <a:ln>
                   <a:noFill/>
                 </a:ln>
                 <a:solidFill>
-                  <a:srgbClr val="000000"/>
+                  <a:srgbClr val="808080"/>
                 </a:solidFill>
                 <a:effectLst/>
                 <a:uLnTx/>
                 <a:uFillTx/>
                 <a:latin typeface="Consolas" panose="020B0609020204030204" pitchFamily="49" charset="0"/>
               </a:rPr>
-              <a:t>dimuser</a:t>
-            </a:r>
-            <a:r>
-              <a:rPr kumimoji="0" lang="en-US" sz="1800" b="0" i="0" u="none" strike="noStrike" kern="0" cap="none" spc="0" normalizeH="0" baseline="0" noProof="0" dirty="0">
+              <a:t>/</a:t>
+            </a:r>
+            <a:r>
+              <a:rPr kumimoji="0" lang="en-US" sz="1600" b="0" i="0" u="none" strike="noStrike" kern="0" cap="none" spc="0" normalizeH="0" baseline="0" noProof="0" dirty="0">
                 <a:ln>
                   <a:noFill/>
                 </a:ln>
@@ -8340,10 +8281,10 @@
                 <a:uFillTx/>
                 <a:latin typeface="Consolas" panose="020B0609020204030204" pitchFamily="49" charset="0"/>
               </a:rPr>
-              <a:t>`</a:t>
-            </a:r>
-            <a:r>
-              <a:rPr kumimoji="0" lang="en-US" sz="1800" b="0" i="0" u="none" strike="noStrike" kern="0" cap="none" spc="0" normalizeH="0" baseline="0" noProof="0" dirty="0">
+              <a:t>DWHS</a:t>
+            </a:r>
+            <a:r>
+              <a:rPr kumimoji="0" lang="en-US" sz="1600" b="0" i="0" u="none" strike="noStrike" kern="0" cap="none" spc="0" normalizeH="0" baseline="0" noProof="0" dirty="0">
                 <a:ln>
                   <a:noFill/>
                 </a:ln>
@@ -8355,9 +8296,84 @@
                 <a:uFillTx/>
                 <a:latin typeface="Consolas" panose="020B0609020204030204" pitchFamily="49" charset="0"/>
               </a:rPr>
+              <a:t>/</a:t>
+            </a:r>
+            <a:r>
+              <a:rPr kumimoji="0" lang="en-US" sz="1600" b="0" i="0" u="none" strike="noStrike" kern="0" cap="none" spc="0" normalizeH="0" baseline="0" noProof="0" dirty="0" err="1">
+                <a:ln>
+                  <a:noFill/>
+                </a:ln>
+                <a:solidFill>
+                  <a:srgbClr val="000000"/>
+                </a:solidFill>
+                <a:effectLst/>
+                <a:uLnTx/>
+                <a:uFillTx/>
+                <a:latin typeface="Consolas" panose="020B0609020204030204" pitchFamily="49" charset="0"/>
+              </a:rPr>
+              <a:t>DeltaDWH</a:t>
+            </a:r>
+            <a:r>
+              <a:rPr kumimoji="0" lang="en-US" sz="1600" b="0" i="0" u="none" strike="noStrike" kern="0" cap="none" spc="0" normalizeH="0" baseline="0" noProof="0" dirty="0">
+                <a:ln>
+                  <a:noFill/>
+                </a:ln>
+                <a:solidFill>
+                  <a:srgbClr val="808080"/>
+                </a:solidFill>
+                <a:effectLst/>
+                <a:uLnTx/>
+                <a:uFillTx/>
+                <a:latin typeface="Consolas" panose="020B0609020204030204" pitchFamily="49" charset="0"/>
+              </a:rPr>
+              <a:t>/</a:t>
+            </a:r>
+            <a:r>
+              <a:rPr kumimoji="0" lang="en-US" sz="1600" b="0" i="0" u="none" strike="noStrike" kern="0" cap="none" spc="0" normalizeH="0" baseline="0" noProof="0" dirty="0" err="1">
+                <a:ln>
+                  <a:noFill/>
+                </a:ln>
+                <a:solidFill>
+                  <a:srgbClr val="000000"/>
+                </a:solidFill>
+                <a:effectLst/>
+                <a:uLnTx/>
+                <a:uFillTx/>
+                <a:latin typeface="Consolas" panose="020B0609020204030204" pitchFamily="49" charset="0"/>
+              </a:rPr>
+              <a:t>dimuser</a:t>
+            </a:r>
+            <a:r>
+              <a:rPr kumimoji="0" lang="en-US" sz="1600" b="0" i="0" u="none" strike="noStrike" kern="0" cap="none" spc="0" normalizeH="0" baseline="0" noProof="0" dirty="0">
+                <a:ln>
+                  <a:noFill/>
+                </a:ln>
+                <a:solidFill>
+                  <a:srgbClr val="000000"/>
+                </a:solidFill>
+                <a:effectLst/>
+                <a:uLnTx/>
+                <a:uFillTx/>
+                <a:latin typeface="Consolas" panose="020B0609020204030204" pitchFamily="49" charset="0"/>
+              </a:rPr>
+              <a:t>`</a:t>
+            </a:r>
+            <a:r>
+              <a:rPr kumimoji="0" lang="en-US" sz="1600" b="0" i="0" u="none" strike="noStrike" kern="0" cap="none" spc="0" normalizeH="0" baseline="0" noProof="0" dirty="0">
+                <a:ln>
+                  <a:noFill/>
+                </a:ln>
+                <a:solidFill>
+                  <a:srgbClr val="808080"/>
+                </a:solidFill>
+                <a:effectLst/>
+                <a:uLnTx/>
+                <a:uFillTx/>
+                <a:latin typeface="Consolas" panose="020B0609020204030204" pitchFamily="49" charset="0"/>
+              </a:rPr>
               <a:t>;</a:t>
             </a:r>
-            <a:endParaRPr kumimoji="0" lang="en-US" sz="1800" b="0" i="0" u="none" strike="noStrike" kern="0" cap="none" spc="0" normalizeH="0" baseline="0" noProof="0" dirty="0">
+            <a:endParaRPr kumimoji="0" lang="en-US" sz="1600" b="0" i="0" u="none" strike="noStrike" kern="0" cap="none" spc="0" normalizeH="0" baseline="0" noProof="0" dirty="0">
               <a:ln>
                 <a:noFill/>
               </a:ln>
@@ -8416,7 +8432,7 @@
         </p:nvSpPr>
         <p:spPr>
           <a:xfrm>
-            <a:off x="469910" y="4290019"/>
+            <a:off x="160215" y="4718452"/>
             <a:ext cx="8475785" cy="400110"/>
           </a:xfrm>
           <a:prstGeom prst="rect">
@@ -8514,7 +8530,7 @@
         </p:nvSpPr>
         <p:spPr>
           <a:xfrm>
-            <a:off x="1754312" y="4770560"/>
+            <a:off x="1147822" y="5118562"/>
             <a:ext cx="6097712" cy="923330"/>
           </a:xfrm>
           <a:prstGeom prst="rect">
@@ -10193,7 +10209,7 @@
         <p:spPr>
           <a:xfrm>
             <a:off x="2627294" y="3948132"/>
-            <a:ext cx="3107326" cy="830997"/>
+            <a:ext cx="3501536" cy="830997"/>
           </a:xfrm>
           <a:prstGeom prst="rect">
             <a:avLst/>
@@ -10235,7 +10251,7 @@
                   </a:schemeClr>
                 </a:solidFill>
               </a:rPr>
-              <a:t>Demo003 </a:t>
+              <a:t>Demo003 (optional)</a:t>
             </a:r>
             <a:endParaRPr lang="pl-PL" sz="2400" dirty="0">
               <a:solidFill>
@@ -10767,7 +10783,55 @@
                 <a:uFillTx/>
                 <a:latin typeface="+mj-lt"/>
               </a:rPr>
-              <a:t>No WITH clause</a:t>
+              <a:t>No </a:t>
+            </a:r>
+            <a:r>
+              <a:rPr lang="en-US" sz="2000" b="1" kern="0" dirty="0">
+                <a:solidFill>
+                  <a:srgbClr val="FF5F00"/>
+                </a:solidFill>
+                <a:latin typeface="+mj-lt"/>
+              </a:rPr>
+              <a:t>WITH</a:t>
+            </a:r>
+            <a:r>
+              <a:rPr kumimoji="0" lang="en-US" sz="2000" b="1" i="0" u="none" strike="noStrike" kern="0" cap="none" spc="0" normalizeH="0" baseline="0" noProof="0" dirty="0">
+                <a:ln>
+                  <a:noFill/>
+                </a:ln>
+                <a:solidFill>
+                  <a:prstClr val="black">
+                    <a:lumMod val="65000"/>
+                    <a:lumOff val="35000"/>
+                  </a:prstClr>
+                </a:solidFill>
+                <a:effectLst/>
+                <a:uLnTx/>
+                <a:uFillTx/>
+                <a:latin typeface="+mj-lt"/>
+              </a:rPr>
+              <a:t> clause (</a:t>
+            </a:r>
+            <a:r>
+              <a:rPr lang="en-US" sz="2000" b="1" kern="0" dirty="0">
+                <a:solidFill>
+                  <a:srgbClr val="FF5F00"/>
+                </a:solidFill>
+                <a:latin typeface="+mj-lt"/>
+              </a:rPr>
+              <a:t>OPENROWSET</a:t>
+            </a:r>
+            <a:r>
+              <a:rPr lang="en-US" sz="2000" b="1" kern="0" dirty="0">
+                <a:solidFill>
+                  <a:prstClr val="black">
+                    <a:lumMod val="65000"/>
+                    <a:lumOff val="35000"/>
+                  </a:prstClr>
+                </a:solidFill>
+                <a:latin typeface="+mj-lt"/>
+              </a:rPr>
+              <a:t>)</a:t>
             </a:r>
           </a:p>
           <a:p>
@@ -11892,7 +11956,7 @@
         <p:spPr>
           <a:xfrm>
             <a:off x="2566334" y="3323015"/>
-            <a:ext cx="5393592" cy="2308324"/>
+            <a:ext cx="5536837" cy="2308324"/>
           </a:xfrm>
           <a:prstGeom prst="rect">
             <a:avLst/>
@@ -11996,7 +12060,7 @@
                   </a:schemeClr>
                 </a:solidFill>
               </a:rPr>
-              <a:t> –Refreshing views</a:t>
+              <a:t> –Refreshing views </a:t>
             </a:r>
           </a:p>
           <a:p>
@@ -12013,7 +12077,7 @@
                   </a:schemeClr>
                 </a:solidFill>
               </a:rPr>
-              <a:t>Security</a:t>
+              <a:t>Security (SSMS)</a:t>
             </a:r>
             <a:endParaRPr lang="pl-PL" sz="2400" dirty="0">
               <a:solidFill>
@@ -12909,7 +12973,7 @@
               <a:defRPr/>
             </a:pPr>
             <a:r>
-              <a:rPr kumimoji="0" lang="pl-PL" sz="2800" b="1" i="0" u="none" strike="noStrike" kern="0" cap="none" spc="0" normalizeH="0" baseline="0" noProof="0" dirty="0" err="1">
+              <a:rPr kumimoji="0" lang="pl-PL" sz="2800" b="1" i="0" u="none" strike="noStrike" kern="0" cap="none" spc="0" normalizeH="0" baseline="0" noProof="0" dirty="0">
                 <a:ln>
                   <a:noFill/>
                 </a:ln>
@@ -12944,7 +13008,7 @@
                 <a:latin typeface="Calibri Light" panose="020F0302020204030204" pitchFamily="34" charset="0"/>
                 <a:cs typeface="Calibri Light" panose="020F0302020204030204" pitchFamily="34" charset="0"/>
               </a:rPr>
-              <a:t>,</a:t>
+              <a:t>, </a:t>
             </a:r>
             <a:r>
               <a:rPr kumimoji="0" lang="pl-PL" sz="2800" b="1" i="0" u="none" strike="noStrike" kern="0" cap="none" spc="0" normalizeH="0" baseline="0" noProof="0" dirty="0">
@@ -12982,7 +13046,7 @@
                 <a:latin typeface="Calibri Light" panose="020F0302020204030204" pitchFamily="34" charset="0"/>
                 <a:cs typeface="Calibri Light" panose="020F0302020204030204" pitchFamily="34" charset="0"/>
               </a:rPr>
-              <a:t>,documentation, articles</a:t>
+              <a:t>, documentation, articles</a:t>
             </a:r>
           </a:p>
           <a:p>
@@ -13559,8 +13623,8 @@
         </p:blipFill>
         <p:spPr>
           <a:xfrm>
-            <a:off x="9012408" y="2155417"/>
-            <a:ext cx="2605123" cy="2464305"/>
+            <a:off x="9120052" y="1985554"/>
+            <a:ext cx="2255521" cy="2133600"/>
           </a:xfrm>
           <a:prstGeom prst="rect">
             <a:avLst/>
@@ -13681,6 +13745,36 @@
           <a:xfrm>
             <a:off x="9120052" y="5445590"/>
             <a:ext cx="2854376" cy="942288"/>
+          </a:xfrm>
+          <a:prstGeom prst="rect">
+            <a:avLst/>
+          </a:prstGeom>
+        </p:spPr>
+      </p:pic>
+      <p:pic>
+        <p:nvPicPr>
+          <p:cNvPr id="12" name="Obraz 10">
+            <a:extLst>
+              <a:ext uri="{FF2B5EF4-FFF2-40B4-BE49-F238E27FC236}">
+                <a16:creationId xmlns:a16="http://schemas.microsoft.com/office/drawing/2014/main" id="{95D964F4-4108-4E35-B68E-56627A473105}"/>
+              </a:ext>
+            </a:extLst>
+          </p:cNvPr>
+          <p:cNvPicPr>
+            <a:picLocks noChangeAspect="1"/>
+          </p:cNvPicPr>
+          <p:nvPr/>
+        </p:nvPicPr>
+        <p:blipFill>
+          <a:blip r:embed="rId7"/>
+          <a:stretch>
+            <a:fillRect/>
+          </a:stretch>
+        </p:blipFill>
+        <p:spPr>
+          <a:xfrm>
+            <a:off x="9262303" y="4678916"/>
+            <a:ext cx="2712125" cy="287504"/>
           </a:xfrm>
           <a:prstGeom prst="rect">
             <a:avLst/>
@@ -14646,12 +14740,82 @@
           <a:chExt cx="0" cy="0"/>
         </a:xfrm>
       </p:grpSpPr>
+      <p:sp>
+        <p:nvSpPr>
+          <p:cNvPr id="2" name="Title 1">
+            <a:extLst>
+              <a:ext uri="{FF2B5EF4-FFF2-40B4-BE49-F238E27FC236}">
+                <a16:creationId xmlns:a16="http://schemas.microsoft.com/office/drawing/2014/main" id="{C89AF66A-54F2-4D01-AF00-55361F8BEC6E}"/>
+              </a:ext>
+            </a:extLst>
+          </p:cNvPr>
+          <p:cNvSpPr>
+            <a:spLocks noGrp="1"/>
+          </p:cNvSpPr>
+          <p:nvPr>
+            <p:ph type="title"/>
+          </p:nvPr>
+        </p:nvSpPr>
+        <p:spPr/>
+        <p:txBody>
+          <a:bodyPr/>
+          <a:lstStyle/>
+          <a:p>
+            <a:pPr algn="ctr"/>
+            <a:r>
+              <a:rPr lang="en-US" spc="300" dirty="0"/>
+              <a:t>DATA LAKEHOUSE ARCHITECTURE</a:t>
+            </a:r>
+            <a:br>
+              <a:rPr lang="en-US" spc="300" dirty="0"/>
+            </a:br>
+            <a:endParaRPr lang="en-US" spc="300" dirty="0"/>
+          </a:p>
+        </p:txBody>
+      </p:sp>
+      <p:sp>
+        <p:nvSpPr>
+          <p:cNvPr id="4" name="Footer Placeholder 3">
+            <a:extLst>
+              <a:ext uri="{FF2B5EF4-FFF2-40B4-BE49-F238E27FC236}">
+                <a16:creationId xmlns:a16="http://schemas.microsoft.com/office/drawing/2014/main" id="{F7702435-A989-4B2D-BD9A-94EFE69D6756}"/>
+              </a:ext>
+            </a:extLst>
+          </p:cNvPr>
+          <p:cNvSpPr>
+            <a:spLocks noGrp="1"/>
+          </p:cNvSpPr>
+          <p:nvPr>
+            <p:ph type="ftr" sz="quarter" idx="11"/>
+          </p:nvPr>
+        </p:nvSpPr>
+        <p:spPr/>
+        <p:txBody>
+          <a:bodyPr/>
+          <a:lstStyle/>
+          <a:p>
+            <a:r>
+              <a:rPr lang="en-US" dirty="0" err="1"/>
+              <a:t>SQLDay</a:t>
+            </a:r>
+            <a:r>
+              <a:rPr lang="en-US" dirty="0"/>
+              <a:t> 202</a:t>
+            </a:r>
+            <a:r>
+              <a:rPr lang="pl-PL" dirty="0"/>
+              <a:t>1</a:t>
+            </a:r>
+            <a:endParaRPr lang="en-US" dirty="0"/>
+          </a:p>
+        </p:txBody>
+      </p:sp>
       <p:pic>
         <p:nvPicPr>
-          <p:cNvPr id="14" name="Picture 13">
-            <a:extLst>
-              <a:ext uri="{FF2B5EF4-FFF2-40B4-BE49-F238E27FC236}">
-                <a16:creationId xmlns:a16="http://schemas.microsoft.com/office/drawing/2014/main" id="{46E11B90-FE5F-45CE-A524-23466CCB7974}"/>
+          <p:cNvPr id="5" name="Picture 4">
+            <a:extLst>
+              <a:ext uri="{FF2B5EF4-FFF2-40B4-BE49-F238E27FC236}">
+                <a16:creationId xmlns:a16="http://schemas.microsoft.com/office/drawing/2014/main" id="{64038EC8-3723-48CA-99A1-0EF2EF5A1878}"/>
               </a:ext>
             </a:extLst>
           </p:cNvPr>
@@ -14668,84 +14832,14 @@
         </p:blipFill>
         <p:spPr>
           <a:xfrm>
-            <a:off x="1717123" y="1219358"/>
-            <a:ext cx="8748518" cy="5502117"/>
+            <a:off x="2035221" y="1179109"/>
+            <a:ext cx="8815659" cy="5542366"/>
           </a:xfrm>
           <a:prstGeom prst="rect">
             <a:avLst/>
           </a:prstGeom>
         </p:spPr>
       </p:pic>
-      <p:sp>
-        <p:nvSpPr>
-          <p:cNvPr id="2" name="Title 1">
-            <a:extLst>
-              <a:ext uri="{FF2B5EF4-FFF2-40B4-BE49-F238E27FC236}">
-                <a16:creationId xmlns:a16="http://schemas.microsoft.com/office/drawing/2014/main" id="{C89AF66A-54F2-4D01-AF00-55361F8BEC6E}"/>
-              </a:ext>
-            </a:extLst>
-          </p:cNvPr>
-          <p:cNvSpPr>
-            <a:spLocks noGrp="1"/>
-          </p:cNvSpPr>
-          <p:nvPr>
-            <p:ph type="title"/>
-          </p:nvPr>
-        </p:nvSpPr>
-        <p:spPr/>
-        <p:txBody>
-          <a:bodyPr/>
-          <a:lstStyle/>
-          <a:p>
-            <a:pPr algn="ctr"/>
-            <a:r>
-              <a:rPr lang="en-US" spc="300" dirty="0"/>
-              <a:t>DATA LAKEHOUSE ARCHITECTURE</a:t>
-            </a:r>
-            <a:br>
-              <a:rPr lang="en-US" spc="300" dirty="0"/>
-            </a:br>
-            <a:endParaRPr lang="en-US" spc="300" dirty="0"/>
-          </a:p>
-        </p:txBody>
-      </p:sp>
-      <p:sp>
-        <p:nvSpPr>
-          <p:cNvPr id="4" name="Footer Placeholder 3">
-            <a:extLst>
-              <a:ext uri="{FF2B5EF4-FFF2-40B4-BE49-F238E27FC236}">
-                <a16:creationId xmlns:a16="http://schemas.microsoft.com/office/drawing/2014/main" id="{F7702435-A989-4B2D-BD9A-94EFE69D6756}"/>
-              </a:ext>
-            </a:extLst>
-          </p:cNvPr>
-          <p:cNvSpPr>
-            <a:spLocks noGrp="1"/>
-          </p:cNvSpPr>
-          <p:nvPr>
-            <p:ph type="ftr" sz="quarter" idx="11"/>
-          </p:nvPr>
-        </p:nvSpPr>
-        <p:spPr/>
-        <p:txBody>
-          <a:bodyPr/>
-          <a:lstStyle/>
-          <a:p>
-            <a:r>
-              <a:rPr lang="en-US" dirty="0" err="1"/>
-              <a:t>SQLDay</a:t>
-            </a:r>
-            <a:r>
-              <a:rPr lang="en-US" dirty="0"/>
-              <a:t> 202</a:t>
-            </a:r>
-            <a:r>
-              <a:rPr lang="pl-PL" dirty="0"/>
-              <a:t>1</a:t>
-            </a:r>
-            <a:endParaRPr lang="en-US" dirty="0"/>
-          </a:p>
-        </p:txBody>
-      </p:sp>
     </p:spTree>
     <p:extLst>
       <p:ext uri="{BB962C8B-B14F-4D97-AF65-F5344CB8AC3E}">
@@ -15492,10 +15586,10 @@
       </p:sp>
       <p:pic>
         <p:nvPicPr>
-          <p:cNvPr id="8" name="Picture 7">
-            <a:extLst>
-              <a:ext uri="{FF2B5EF4-FFF2-40B4-BE49-F238E27FC236}">
-                <a16:creationId xmlns:a16="http://schemas.microsoft.com/office/drawing/2014/main" id="{61B5A7BA-3465-4F35-8FB5-0B004FAD5E2D}"/>
+          <p:cNvPr id="5" name="Picture 4">
+            <a:extLst>
+              <a:ext uri="{FF2B5EF4-FFF2-40B4-BE49-F238E27FC236}">
+                <a16:creationId xmlns:a16="http://schemas.microsoft.com/office/drawing/2014/main" id="{E5C81A8F-D658-44F9-A909-9420B1FED770}"/>
               </a:ext>
             </a:extLst>
           </p:cNvPr>
@@ -15512,8 +15606,8 @@
         </p:blipFill>
         <p:spPr>
           <a:xfrm>
-            <a:off x="7416710" y="2040241"/>
-            <a:ext cx="3190328" cy="3434428"/>
+            <a:off x="7696200" y="2016905"/>
+            <a:ext cx="2876006" cy="3399626"/>
           </a:xfrm>
           <a:prstGeom prst="rect">
             <a:avLst/>
